--- a/Digital Health Literacy and Trust in Healthcare Systems.pptx
+++ b/Digital Health Literacy and Trust in Healthcare Systems.pptx
@@ -5,17 +5,21 @@
     <p:sldMasterId id="2147483648" r:id="rId4"/>
   </p:sldMasterIdLst>
   <p:notesMasterIdLst>
-    <p:notesMasterId r:id="rId10"/>
+    <p:notesMasterId r:id="rId14"/>
   </p:notesMasterIdLst>
   <p:handoutMasterIdLst>
-    <p:handoutMasterId r:id="rId11"/>
+    <p:handoutMasterId r:id="rId15"/>
   </p:handoutMasterIdLst>
   <p:sldIdLst>
-    <p:sldId id="256" r:id="rId5"/>
+    <p:sldId id="291" r:id="rId5"/>
     <p:sldId id="277" r:id="rId6"/>
-    <p:sldId id="290" r:id="rId7"/>
-    <p:sldId id="264" r:id="rId8"/>
-    <p:sldId id="286" r:id="rId9"/>
+    <p:sldId id="292" r:id="rId7"/>
+    <p:sldId id="294" r:id="rId8"/>
+    <p:sldId id="296" r:id="rId9"/>
+    <p:sldId id="298" r:id="rId10"/>
+    <p:sldId id="299" r:id="rId11"/>
+    <p:sldId id="300" r:id="rId12"/>
+    <p:sldId id="286" r:id="rId13"/>
   </p:sldIdLst>
   <p:sldSz cx="12192000" cy="6858000"/>
   <p:notesSz cx="6858000" cy="9144000"/>
@@ -247,7 +251,7 @@
           <a:p>
             <a:fld id="{058ABBF3-49A8-4B3F-9773-22E67695BB12}" type="datetimeFigureOut">
               <a:rPr lang="en-US" smtClean="0"/>
-              <a:t>1/1/2026</a:t>
+              <a:t>1/15/2026</a:t>
             </a:fld>
             <a:endParaRPr lang="en-US" dirty="0"/>
           </a:p>
@@ -424,7 +428,7 @@
           <a:p>
             <a:fld id="{F44AAC2B-A50D-4386-849A-6B59FB991B4C}" type="datetimeFigureOut">
               <a:rPr lang="en-US" smtClean="0"/>
-              <a:t>1/1/2026</a:t>
+              <a:t>1/15/2026</a:t>
             </a:fld>
             <a:endParaRPr lang="en-US" dirty="0"/>
           </a:p>
@@ -696,7 +700,13 @@
   <p:cSld>
     <p:spTree>
       <p:nvGrpSpPr>
-        <p:cNvPr id="1" name=""/>
+        <p:cNvPr id="1" name="">
+          <a:extLst>
+            <a:ext uri="{FF2B5EF4-FFF2-40B4-BE49-F238E27FC236}">
+              <a16:creationId xmlns:a16="http://schemas.microsoft.com/office/drawing/2014/main" id="{F7FCEA2D-AAA0-E962-4106-0D87FE624C27}"/>
+            </a:ext>
+          </a:extLst>
+        </p:cNvPr>
         <p:cNvGrpSpPr/>
         <p:nvPr/>
       </p:nvGrpSpPr>
@@ -710,7 +720,13 @@
       </p:grpSpPr>
       <p:sp>
         <p:nvSpPr>
-          <p:cNvPr id="2" name="Slide Image Placeholder 1"/>
+          <p:cNvPr id="2" name="Slide Image Placeholder 1">
+            <a:extLst>
+              <a:ext uri="{FF2B5EF4-FFF2-40B4-BE49-F238E27FC236}">
+                <a16:creationId xmlns:a16="http://schemas.microsoft.com/office/drawing/2014/main" id="{07EC5BB1-E1C1-935B-DDA9-2B68D527AFD6}"/>
+              </a:ext>
+            </a:extLst>
+          </p:cNvPr>
           <p:cNvSpPr>
             <a:spLocks noGrp="1" noRot="1" noChangeAspect="1"/>
           </p:cNvSpPr>
@@ -722,7 +738,13 @@
       </p:sp>
       <p:sp>
         <p:nvSpPr>
-          <p:cNvPr id="3" name="Notes Placeholder 2"/>
+          <p:cNvPr id="3" name="Notes Placeholder 2">
+            <a:extLst>
+              <a:ext uri="{FF2B5EF4-FFF2-40B4-BE49-F238E27FC236}">
+                <a16:creationId xmlns:a16="http://schemas.microsoft.com/office/drawing/2014/main" id="{2FCB6246-5BFE-0EE4-71ED-6577F38C0836}"/>
+              </a:ext>
+            </a:extLst>
+          </p:cNvPr>
           <p:cNvSpPr>
             <a:spLocks noGrp="1"/>
           </p:cNvSpPr>
@@ -735,13 +757,19 @@
           <a:bodyPr/>
           <a:lstStyle/>
           <a:p>
-            <a:endParaRPr lang="en-US"/>
+            <a:endParaRPr lang="en-US" dirty="0"/>
           </a:p>
         </p:txBody>
       </p:sp>
       <p:sp>
         <p:nvSpPr>
-          <p:cNvPr id="4" name="Slide Number Placeholder 3"/>
+          <p:cNvPr id="4" name="Slide Number Placeholder 3">
+            <a:extLst>
+              <a:ext uri="{FF2B5EF4-FFF2-40B4-BE49-F238E27FC236}">
+                <a16:creationId xmlns:a16="http://schemas.microsoft.com/office/drawing/2014/main" id="{83E098F3-5499-696D-D272-879DB3BB5B0B}"/>
+              </a:ext>
+            </a:extLst>
+          </p:cNvPr>
           <p:cNvSpPr>
             <a:spLocks noGrp="1"/>
           </p:cNvSpPr>
@@ -765,7 +793,7 @@
     </p:spTree>
     <p:extLst>
       <p:ext uri="{BB962C8B-B14F-4D97-AF65-F5344CB8AC3E}">
-        <p14:creationId xmlns:p14="http://schemas.microsoft.com/office/powerpoint/2010/main" val="2456864374"/>
+        <p14:creationId xmlns:p14="http://schemas.microsoft.com/office/powerpoint/2010/main" val="1496146155"/>
       </p:ext>
     </p:extLst>
   </p:cSld>
@@ -903,7 +931,7 @@
           <a:bodyPr/>
           <a:lstStyle/>
           <a:p>
-            <a:endParaRPr lang="en-US"/>
+            <a:endParaRPr lang="LID4096" dirty="0"/>
           </a:p>
         </p:txBody>
       </p:sp>
@@ -924,7 +952,7 @@
           <a:p>
             <a:fld id="{10895658-EA1F-4910-80AB-4DA76E167475}" type="slidenum">
               <a:rPr lang="en-US" smtClean="0"/>
-              <a:t>3</a:t>
+              <a:t>4</a:t>
             </a:fld>
             <a:endParaRPr lang="en-US" dirty="0"/>
           </a:p>
@@ -933,7 +961,7 @@
     </p:spTree>
     <p:extLst>
       <p:ext uri="{BB962C8B-B14F-4D97-AF65-F5344CB8AC3E}">
-        <p14:creationId xmlns:p14="http://schemas.microsoft.com/office/powerpoint/2010/main" val="2482613463"/>
+        <p14:creationId xmlns:p14="http://schemas.microsoft.com/office/powerpoint/2010/main" val="2272714435"/>
       </p:ext>
     </p:extLst>
   </p:cSld>
@@ -944,6 +972,282 @@
 </file>
 
 <file path=ppt/notesSlides/notesSlide4.xml><?xml version="1.0" encoding="utf-8"?>
+<p:notes xmlns:a="http://schemas.openxmlformats.org/drawingml/2006/main" xmlns:r="http://schemas.openxmlformats.org/officeDocument/2006/relationships" xmlns:p="http://schemas.openxmlformats.org/presentationml/2006/main">
+  <p:cSld>
+    <p:spTree>
+      <p:nvGrpSpPr>
+        <p:cNvPr id="1" name="">
+          <a:extLst>
+            <a:ext uri="{FF2B5EF4-FFF2-40B4-BE49-F238E27FC236}">
+              <a16:creationId xmlns:a16="http://schemas.microsoft.com/office/drawing/2014/main" id="{3B71DAF2-1366-8F2E-FE9E-16AF253E6776}"/>
+            </a:ext>
+          </a:extLst>
+        </p:cNvPr>
+        <p:cNvGrpSpPr/>
+        <p:nvPr/>
+      </p:nvGrpSpPr>
+      <p:grpSpPr>
+        <a:xfrm>
+          <a:off x="0" y="0"/>
+          <a:ext cx="0" cy="0"/>
+          <a:chOff x="0" y="0"/>
+          <a:chExt cx="0" cy="0"/>
+        </a:xfrm>
+      </p:grpSpPr>
+      <p:sp>
+        <p:nvSpPr>
+          <p:cNvPr id="2" name="Slide Image Placeholder 1">
+            <a:extLst>
+              <a:ext uri="{FF2B5EF4-FFF2-40B4-BE49-F238E27FC236}">
+                <a16:creationId xmlns:a16="http://schemas.microsoft.com/office/drawing/2014/main" id="{31476B13-6F75-3E8D-EA80-53667300DE23}"/>
+              </a:ext>
+            </a:extLst>
+          </p:cNvPr>
+          <p:cNvSpPr>
+            <a:spLocks noGrp="1" noRot="1" noChangeAspect="1"/>
+          </p:cNvSpPr>
+          <p:nvPr>
+            <p:ph type="sldImg"/>
+          </p:nvPr>
+        </p:nvSpPr>
+        <p:spPr/>
+      </p:sp>
+      <p:sp>
+        <p:nvSpPr>
+          <p:cNvPr id="3" name="Notes Placeholder 2">
+            <a:extLst>
+              <a:ext uri="{FF2B5EF4-FFF2-40B4-BE49-F238E27FC236}">
+                <a16:creationId xmlns:a16="http://schemas.microsoft.com/office/drawing/2014/main" id="{80116ABE-5B53-3B12-0E85-9421117FB3D7}"/>
+              </a:ext>
+            </a:extLst>
+          </p:cNvPr>
+          <p:cNvSpPr>
+            <a:spLocks noGrp="1"/>
+          </p:cNvSpPr>
+          <p:nvPr>
+            <p:ph type="body" idx="1"/>
+          </p:nvPr>
+        </p:nvSpPr>
+        <p:spPr/>
+        <p:txBody>
+          <a:bodyPr/>
+          <a:lstStyle/>
+          <a:p>
+            <a:endParaRPr lang="LID4096" dirty="0"/>
+          </a:p>
+        </p:txBody>
+      </p:sp>
+      <p:sp>
+        <p:nvSpPr>
+          <p:cNvPr id="4" name="Slide Number Placeholder 3">
+            <a:extLst>
+              <a:ext uri="{FF2B5EF4-FFF2-40B4-BE49-F238E27FC236}">
+                <a16:creationId xmlns:a16="http://schemas.microsoft.com/office/drawing/2014/main" id="{8C3221C5-B91F-67C8-B6CB-14DC239EBC65}"/>
+              </a:ext>
+            </a:extLst>
+          </p:cNvPr>
+          <p:cNvSpPr>
+            <a:spLocks noGrp="1"/>
+          </p:cNvSpPr>
+          <p:nvPr>
+            <p:ph type="sldNum" sz="quarter" idx="5"/>
+          </p:nvPr>
+        </p:nvSpPr>
+        <p:spPr/>
+        <p:txBody>
+          <a:bodyPr/>
+          <a:lstStyle/>
+          <a:p>
+            <a:fld id="{10895658-EA1F-4910-80AB-4DA76E167475}" type="slidenum">
+              <a:rPr lang="en-US" smtClean="0"/>
+              <a:t>5</a:t>
+            </a:fld>
+            <a:endParaRPr lang="en-US" dirty="0"/>
+          </a:p>
+        </p:txBody>
+      </p:sp>
+    </p:spTree>
+    <p:extLst>
+      <p:ext uri="{BB962C8B-B14F-4D97-AF65-F5344CB8AC3E}">
+        <p14:creationId xmlns:p14="http://schemas.microsoft.com/office/powerpoint/2010/main" val="1997216769"/>
+      </p:ext>
+    </p:extLst>
+  </p:cSld>
+  <p:clrMapOvr>
+    <a:masterClrMapping/>
+  </p:clrMapOvr>
+</p:notes>
+</file>
+
+<file path=ppt/notesSlides/notesSlide5.xml><?xml version="1.0" encoding="utf-8"?>
+<p:notes xmlns:a="http://schemas.openxmlformats.org/drawingml/2006/main" xmlns:r="http://schemas.openxmlformats.org/officeDocument/2006/relationships" xmlns:p="http://schemas.openxmlformats.org/presentationml/2006/main">
+  <p:cSld>
+    <p:spTree>
+      <p:nvGrpSpPr>
+        <p:cNvPr id="1" name=""/>
+        <p:cNvGrpSpPr/>
+        <p:nvPr/>
+      </p:nvGrpSpPr>
+      <p:grpSpPr>
+        <a:xfrm>
+          <a:off x="0" y="0"/>
+          <a:ext cx="0" cy="0"/>
+          <a:chOff x="0" y="0"/>
+          <a:chExt cx="0" cy="0"/>
+        </a:xfrm>
+      </p:grpSpPr>
+      <p:sp>
+        <p:nvSpPr>
+          <p:cNvPr id="2" name="Slide Image Placeholder 1"/>
+          <p:cNvSpPr>
+            <a:spLocks noGrp="1" noRot="1" noChangeAspect="1"/>
+          </p:cNvSpPr>
+          <p:nvPr>
+            <p:ph type="sldImg"/>
+          </p:nvPr>
+        </p:nvSpPr>
+        <p:spPr/>
+      </p:sp>
+      <p:sp>
+        <p:nvSpPr>
+          <p:cNvPr id="3" name="Notes Placeholder 2"/>
+          <p:cNvSpPr>
+            <a:spLocks noGrp="1"/>
+          </p:cNvSpPr>
+          <p:nvPr>
+            <p:ph type="body" idx="1"/>
+          </p:nvPr>
+        </p:nvSpPr>
+        <p:spPr/>
+        <p:txBody>
+          <a:bodyPr/>
+          <a:lstStyle/>
+          <a:p>
+            <a:endParaRPr lang="LID4096" dirty="0"/>
+          </a:p>
+        </p:txBody>
+      </p:sp>
+      <p:sp>
+        <p:nvSpPr>
+          <p:cNvPr id="4" name="Slide Number Placeholder 3"/>
+          <p:cNvSpPr>
+            <a:spLocks noGrp="1"/>
+          </p:cNvSpPr>
+          <p:nvPr>
+            <p:ph type="sldNum" sz="quarter" idx="5"/>
+          </p:nvPr>
+        </p:nvSpPr>
+        <p:spPr/>
+        <p:txBody>
+          <a:bodyPr/>
+          <a:lstStyle/>
+          <a:p>
+            <a:fld id="{10895658-EA1F-4910-80AB-4DA76E167475}" type="slidenum">
+              <a:rPr lang="en-US" smtClean="0"/>
+              <a:t>6</a:t>
+            </a:fld>
+            <a:endParaRPr lang="en-US" dirty="0"/>
+          </a:p>
+        </p:txBody>
+      </p:sp>
+    </p:spTree>
+    <p:extLst>
+      <p:ext uri="{BB962C8B-B14F-4D97-AF65-F5344CB8AC3E}">
+        <p14:creationId xmlns:p14="http://schemas.microsoft.com/office/powerpoint/2010/main" val="2031605602"/>
+      </p:ext>
+    </p:extLst>
+  </p:cSld>
+  <p:clrMapOvr>
+    <a:masterClrMapping/>
+  </p:clrMapOvr>
+</p:notes>
+</file>
+
+<file path=ppt/notesSlides/notesSlide6.xml><?xml version="1.0" encoding="utf-8"?>
+<p:notes xmlns:a="http://schemas.openxmlformats.org/drawingml/2006/main" xmlns:r="http://schemas.openxmlformats.org/officeDocument/2006/relationships" xmlns:p="http://schemas.openxmlformats.org/presentationml/2006/main">
+  <p:cSld>
+    <p:spTree>
+      <p:nvGrpSpPr>
+        <p:cNvPr id="1" name=""/>
+        <p:cNvGrpSpPr/>
+        <p:nvPr/>
+      </p:nvGrpSpPr>
+      <p:grpSpPr>
+        <a:xfrm>
+          <a:off x="0" y="0"/>
+          <a:ext cx="0" cy="0"/>
+          <a:chOff x="0" y="0"/>
+          <a:chExt cx="0" cy="0"/>
+        </a:xfrm>
+      </p:grpSpPr>
+      <p:sp>
+        <p:nvSpPr>
+          <p:cNvPr id="2" name="Slide Image Placeholder 1"/>
+          <p:cNvSpPr>
+            <a:spLocks noGrp="1" noRot="1" noChangeAspect="1"/>
+          </p:cNvSpPr>
+          <p:nvPr>
+            <p:ph type="sldImg"/>
+          </p:nvPr>
+        </p:nvSpPr>
+        <p:spPr/>
+      </p:sp>
+      <p:sp>
+        <p:nvSpPr>
+          <p:cNvPr id="3" name="Notes Placeholder 2"/>
+          <p:cNvSpPr>
+            <a:spLocks noGrp="1"/>
+          </p:cNvSpPr>
+          <p:nvPr>
+            <p:ph type="body" idx="1"/>
+          </p:nvPr>
+        </p:nvSpPr>
+        <p:spPr/>
+        <p:txBody>
+          <a:bodyPr/>
+          <a:lstStyle/>
+          <a:p>
+            <a:endParaRPr lang="LID4096" dirty="0"/>
+          </a:p>
+        </p:txBody>
+      </p:sp>
+      <p:sp>
+        <p:nvSpPr>
+          <p:cNvPr id="4" name="Slide Number Placeholder 3"/>
+          <p:cNvSpPr>
+            <a:spLocks noGrp="1"/>
+          </p:cNvSpPr>
+          <p:nvPr>
+            <p:ph type="sldNum" sz="quarter" idx="5"/>
+          </p:nvPr>
+        </p:nvSpPr>
+        <p:spPr/>
+        <p:txBody>
+          <a:bodyPr/>
+          <a:lstStyle/>
+          <a:p>
+            <a:fld id="{10895658-EA1F-4910-80AB-4DA76E167475}" type="slidenum">
+              <a:rPr lang="en-US" smtClean="0"/>
+              <a:t>8</a:t>
+            </a:fld>
+            <a:endParaRPr lang="en-US" dirty="0"/>
+          </a:p>
+        </p:txBody>
+      </p:sp>
+    </p:spTree>
+    <p:extLst>
+      <p:ext uri="{BB962C8B-B14F-4D97-AF65-F5344CB8AC3E}">
+        <p14:creationId xmlns:p14="http://schemas.microsoft.com/office/powerpoint/2010/main" val="3562534078"/>
+      </p:ext>
+    </p:extLst>
+  </p:cSld>
+  <p:clrMapOvr>
+    <a:masterClrMapping/>
+  </p:clrMapOvr>
+</p:notes>
+</file>
+
+<file path=ppt/notesSlides/notesSlide7.xml><?xml version="1.0" encoding="utf-8"?>
 <p:notes xmlns:a="http://schemas.openxmlformats.org/drawingml/2006/main" xmlns:r="http://schemas.openxmlformats.org/officeDocument/2006/relationships" xmlns:p="http://schemas.openxmlformats.org/presentationml/2006/main">
   <p:cSld>
     <p:spTree>
@@ -1008,91 +1312,7 @@
           <a:p>
             <a:fld id="{10895658-EA1F-4910-80AB-4DA76E167475}" type="slidenum">
               <a:rPr lang="en-US" smtClean="0"/>
-              <a:t>4</a:t>
-            </a:fld>
-            <a:endParaRPr lang="en-US" dirty="0"/>
-          </a:p>
-        </p:txBody>
-      </p:sp>
-    </p:spTree>
-    <p:extLst>
-      <p:ext uri="{BB962C8B-B14F-4D97-AF65-F5344CB8AC3E}">
-        <p14:creationId xmlns:p14="http://schemas.microsoft.com/office/powerpoint/2010/main" val="2769560542"/>
-      </p:ext>
-    </p:extLst>
-  </p:cSld>
-  <p:clrMapOvr>
-    <a:masterClrMapping/>
-  </p:clrMapOvr>
-</p:notes>
-</file>
-
-<file path=ppt/notesSlides/notesSlide5.xml><?xml version="1.0" encoding="utf-8"?>
-<p:notes xmlns:a="http://schemas.openxmlformats.org/drawingml/2006/main" xmlns:r="http://schemas.openxmlformats.org/officeDocument/2006/relationships" xmlns:p="http://schemas.openxmlformats.org/presentationml/2006/main">
-  <p:cSld>
-    <p:spTree>
-      <p:nvGrpSpPr>
-        <p:cNvPr id="1" name=""/>
-        <p:cNvGrpSpPr/>
-        <p:nvPr/>
-      </p:nvGrpSpPr>
-      <p:grpSpPr>
-        <a:xfrm>
-          <a:off x="0" y="0"/>
-          <a:ext cx="0" cy="0"/>
-          <a:chOff x="0" y="0"/>
-          <a:chExt cx="0" cy="0"/>
-        </a:xfrm>
-      </p:grpSpPr>
-      <p:sp>
-        <p:nvSpPr>
-          <p:cNvPr id="2" name="Slide Image Placeholder 1"/>
-          <p:cNvSpPr>
-            <a:spLocks noGrp="1" noRot="1" noChangeAspect="1"/>
-          </p:cNvSpPr>
-          <p:nvPr>
-            <p:ph type="sldImg"/>
-          </p:nvPr>
-        </p:nvSpPr>
-        <p:spPr/>
-      </p:sp>
-      <p:sp>
-        <p:nvSpPr>
-          <p:cNvPr id="3" name="Notes Placeholder 2"/>
-          <p:cNvSpPr>
-            <a:spLocks noGrp="1"/>
-          </p:cNvSpPr>
-          <p:nvPr>
-            <p:ph type="body" idx="1"/>
-          </p:nvPr>
-        </p:nvSpPr>
-        <p:spPr/>
-        <p:txBody>
-          <a:bodyPr/>
-          <a:lstStyle/>
-          <a:p>
-            <a:endParaRPr lang="en-US"/>
-          </a:p>
-        </p:txBody>
-      </p:sp>
-      <p:sp>
-        <p:nvSpPr>
-          <p:cNvPr id="4" name="Slide Number Placeholder 3"/>
-          <p:cNvSpPr>
-            <a:spLocks noGrp="1"/>
-          </p:cNvSpPr>
-          <p:nvPr>
-            <p:ph type="sldNum" sz="quarter" idx="5"/>
-          </p:nvPr>
-        </p:nvSpPr>
-        <p:spPr/>
-        <p:txBody>
-          <a:bodyPr/>
-          <a:lstStyle/>
-          <a:p>
-            <a:fld id="{10895658-EA1F-4910-80AB-4DA76E167475}" type="slidenum">
-              <a:rPr lang="en-US" smtClean="0"/>
-              <a:t>5</a:t>
+              <a:t>9</a:t>
             </a:fld>
             <a:endParaRPr lang="en-US" dirty="0"/>
           </a:p>
@@ -20239,7 +20459,13 @@
   <p:cSld>
     <p:spTree>
       <p:nvGrpSpPr>
-        <p:cNvPr id="1" name=""/>
+        <p:cNvPr id="1" name="">
+          <a:extLst>
+            <a:ext uri="{FF2B5EF4-FFF2-40B4-BE49-F238E27FC236}">
+              <a16:creationId xmlns:a16="http://schemas.microsoft.com/office/drawing/2014/main" id="{07F5AF23-A154-D39F-9F18-B13B70515D64}"/>
+            </a:ext>
+          </a:extLst>
+        </p:cNvPr>
         <p:cNvGrpSpPr/>
         <p:nvPr/>
       </p:nvGrpSpPr>
@@ -20256,7 +20482,7 @@
           <p:cNvPr id="2" name="Title 1">
             <a:extLst>
               <a:ext uri="{FF2B5EF4-FFF2-40B4-BE49-F238E27FC236}">
-                <a16:creationId xmlns:a16="http://schemas.microsoft.com/office/drawing/2014/main" id="{216815C6-3AD0-46E6-A74A-1967BD91AF50}"/>
+                <a16:creationId xmlns:a16="http://schemas.microsoft.com/office/drawing/2014/main" id="{61E2B85B-9A00-9602-1FD0-D44FB2B24FC5}"/>
               </a:ext>
             </a:extLst>
           </p:cNvPr>
@@ -20292,7 +20518,7 @@
           <p:cNvPr id="3" name="TextBox 2">
             <a:extLst>
               <a:ext uri="{FF2B5EF4-FFF2-40B4-BE49-F238E27FC236}">
-                <a16:creationId xmlns:a16="http://schemas.microsoft.com/office/drawing/2014/main" id="{32E14B19-E33F-7ABC-ABF8-54BDEEB08908}"/>
+                <a16:creationId xmlns:a16="http://schemas.microsoft.com/office/drawing/2014/main" id="{ED1B04D3-757D-DF1D-AAE2-63087F69C5C8}"/>
               </a:ext>
             </a:extLst>
           </p:cNvPr>
@@ -20301,8 +20527,8 @@
         </p:nvSpPr>
         <p:spPr>
           <a:xfrm>
-            <a:off x="5377542" y="4274804"/>
-            <a:ext cx="6324600" cy="923330"/>
+            <a:off x="3796748" y="3427417"/>
+            <a:ext cx="6324600" cy="369332"/>
           </a:xfrm>
           <a:prstGeom prst="rect">
             <a:avLst/>
@@ -20321,17 +20547,7 @@
                   <a:schemeClr val="bg1"/>
                 </a:solidFill>
               </a:rPr>
-              <a:t>Research Question : </a:t>
-            </a:r>
-          </a:p>
-          <a:p>
-            <a:r>
-              <a:rPr lang="en-US" dirty="0">
-                <a:solidFill>
-                  <a:schemeClr val="bg1"/>
-                </a:solidFill>
-              </a:rPr>
-              <a:t>“Is there a relationship between technological literacy and confidence in the health-care systems? “</a:t>
+              <a:t>An Analysis of the ISSP 2021 Global Dataset</a:t>
             </a:r>
             <a:endParaRPr lang="LID4096" dirty="0">
               <a:solidFill>
@@ -20346,7 +20562,7 @@
           <p:cNvPr id="4" name="TextBox 3">
             <a:extLst>
               <a:ext uri="{FF2B5EF4-FFF2-40B4-BE49-F238E27FC236}">
-                <a16:creationId xmlns:a16="http://schemas.microsoft.com/office/drawing/2014/main" id="{BAABC283-4F12-5449-B9E7-764568D5FC03}"/>
+                <a16:creationId xmlns:a16="http://schemas.microsoft.com/office/drawing/2014/main" id="{34B6E4DF-FC2A-1B8B-D02F-5F62ED717DA1}"/>
               </a:ext>
             </a:extLst>
           </p:cNvPr>
@@ -20388,7 +20604,7 @@
     </p:spTree>
     <p:extLst>
       <p:ext uri="{BB962C8B-B14F-4D97-AF65-F5344CB8AC3E}">
-        <p14:creationId xmlns:p14="http://schemas.microsoft.com/office/powerpoint/2010/main" val="1642425379"/>
+        <p14:creationId xmlns:p14="http://schemas.microsoft.com/office/powerpoint/2010/main" val="45935245"/>
       </p:ext>
     </p:extLst>
   </p:cSld>
@@ -20433,7 +20649,7 @@
         </p:nvSpPr>
         <p:spPr>
           <a:xfrm>
-            <a:off x="4933950" y="429462"/>
+            <a:off x="4896628" y="155887"/>
             <a:ext cx="6343650" cy="1366682"/>
           </a:xfrm>
         </p:spPr>
@@ -20445,7 +20661,7 @@
           <a:p>
             <a:r>
               <a:rPr lang="en-US" dirty="0"/>
-              <a:t>Dataset &amp; Research Focus</a:t>
+              <a:t> Research Focus</a:t>
             </a:r>
             <a:endParaRPr lang="en-ZA" dirty="0"/>
           </a:p>
@@ -20469,8 +20685,8 @@
         </p:nvSpPr>
         <p:spPr>
           <a:xfrm>
-            <a:off x="4212770" y="2335893"/>
-            <a:ext cx="7659461" cy="2083707"/>
+            <a:off x="4212769" y="1618926"/>
+            <a:ext cx="7659461" cy="1093107"/>
           </a:xfrm>
         </p:spPr>
         <p:txBody>
@@ -20481,11 +20697,8 @@
           <a:p>
             <a:r>
               <a:rPr lang="en-GB" sz="2000" dirty="0"/>
-              <a:t>This project explores whether individuals who use the internet for health-related purposes have more or less confidence in their national healthcare systems. We use real-world survey data to examine this relationship and uncover behavioural insights.</a:t>
+              <a:t>This project investigates the relationship between internet reliance and healthcare confidence </a:t>
             </a:r>
-          </a:p>
-          <a:p>
-            <a:endParaRPr lang="en-GB" sz="2000" dirty="0"/>
           </a:p>
         </p:txBody>
       </p:sp>
@@ -20535,8 +20748,8 @@
         </p:nvSpPr>
         <p:spPr>
           <a:xfrm>
-            <a:off x="4212770" y="4272643"/>
-            <a:ext cx="7659461" cy="2585357"/>
+            <a:off x="4212768" y="2717411"/>
+            <a:ext cx="7659461" cy="3638939"/>
           </a:xfrm>
           <a:prstGeom prst="rect">
             <a:avLst/>
@@ -20544,7 +20757,7 @@
         </p:spPr>
         <p:txBody>
           <a:bodyPr vert="horz" lIns="91440" tIns="45720" rIns="91440" bIns="45720" rtlCol="0">
-            <a:normAutofit fontScale="92500" lnSpcReduction="10000"/>
+            <a:normAutofit lnSpcReduction="10000"/>
           </a:bodyPr>
           <a:lstStyle>
             <a:lvl1pPr marL="0" indent="0" algn="l" defTabSz="914400" rtl="0" eaLnBrk="1" latinLnBrk="0" hangingPunct="1">
@@ -20727,48 +20940,73 @@
           </a:lstStyle>
           <a:p>
             <a:r>
-              <a:rPr lang="en-GB" sz="2000" dirty="0"/>
-              <a:t>Our source was  ISSP 2021 – Health and Health Care II</a:t>
+              <a:rPr lang="en-GB" sz="2000" b="1" u="sng" dirty="0"/>
+              <a:t>Our key Research Question:</a:t>
             </a:r>
           </a:p>
           <a:p>
+            <a:pPr marL="457200" indent="-457200">
+              <a:buFont typeface="+mj-lt"/>
+              <a:buAutoNum type="arabicPeriod"/>
+            </a:pPr>
+            <a:r>
+              <a:rPr lang="en-GB" sz="2000" b="1" dirty="0"/>
+              <a:t>The Digital Divide: </a:t>
+            </a:r>
             <a:r>
               <a:rPr lang="en-GB" sz="2000" dirty="0"/>
-              <a:t>We focused on the following variables of interest :</a:t>
+              <a:t>How do Age, Gender and Location influence health information seeking</a:t>
             </a:r>
           </a:p>
           <a:p>
-            <a:pPr marL="342900" indent="-342900">
-              <a:buFont typeface="Arial" panose="020B0604020202020204" pitchFamily="34" charset="0"/>
-              <a:buChar char="•"/>
+            <a:pPr marL="457200" indent="-457200">
+              <a:buFont typeface="+mj-lt"/>
+              <a:buAutoNum type="arabicPeriod"/>
             </a:pPr>
             <a:r>
+              <a:rPr lang="en-GB" sz="2000" b="1" dirty="0"/>
+              <a:t>The Trust Gap: </a:t>
+            </a:r>
+            <a:r>
               <a:rPr lang="en-GB" sz="2000" dirty="0"/>
-              <a:t>V2: Confidence in the healthcare system</a:t>
+              <a:t>Does low confidence in system drive patients look for answer online ?</a:t>
             </a:r>
           </a:p>
           <a:p>
-            <a:pPr marL="342900" indent="-342900">
-              <a:buFont typeface="Arial" panose="020B0604020202020204" pitchFamily="34" charset="0"/>
-              <a:buChar char="•"/>
+            <a:pPr marL="457200" indent="-457200">
+              <a:buFont typeface="+mj-lt"/>
+              <a:buAutoNum type="arabicPeriod"/>
             </a:pPr>
             <a:r>
+              <a:rPr lang="en-GB" sz="2000" b="1" dirty="0"/>
+              <a:t>User Personas: </a:t>
+            </a:r>
+            <a:r>
               <a:rPr lang="en-GB" sz="2000" dirty="0"/>
-              <a:t>V22: Frequency of using the internet for health info</a:t>
+              <a:t>Can we Identify distinct groups of digital health users using Clustering ? (Unsupervised Learning)</a:t>
             </a:r>
           </a:p>
           <a:p>
-            <a:pPr marL="342900" indent="-342900">
-              <a:buFont typeface="Arial" panose="020B0604020202020204" pitchFamily="34" charset="0"/>
-              <a:buChar char="•"/>
+            <a:pPr marL="457200" indent="-457200">
+              <a:buFont typeface="+mj-lt"/>
+              <a:buAutoNum type="arabicPeriod"/>
             </a:pPr>
             <a:r>
+              <a:rPr lang="en-GB" sz="2000" b="1" dirty="0"/>
+              <a:t>Global Context: </a:t>
+            </a:r>
+            <a:r>
               <a:rPr lang="en-GB" sz="2000" dirty="0"/>
-              <a:t>V26,V30,V31 : Opinions about the internet’s usefulness and credibility </a:t>
+              <a:t>How does this vary across different nations</a:t>
             </a:r>
+            <a:endParaRPr lang="en-GB" sz="2000" b="1" dirty="0"/>
           </a:p>
           <a:p>
-            <a:endParaRPr lang="en-GB" sz="2000" dirty="0"/>
+            <a:pPr marL="457200" indent="-457200">
+              <a:buFont typeface="+mj-lt"/>
+              <a:buAutoNum type="arabicPeriod"/>
+            </a:pPr>
+            <a:endParaRPr lang="en-GB" sz="2000" b="1" dirty="0"/>
           </a:p>
           <a:p>
             <a:endParaRPr lang="en-GB" sz="2000" dirty="0"/>
@@ -20807,253 +21045,278 @@
       </p:grpSpPr>
       <p:sp>
         <p:nvSpPr>
-          <p:cNvPr id="2" name="Title 1">
+          <p:cNvPr id="4" name="Title 1">
             <a:extLst>
               <a:ext uri="{FF2B5EF4-FFF2-40B4-BE49-F238E27FC236}">
-                <a16:creationId xmlns:a16="http://schemas.microsoft.com/office/drawing/2014/main" id="{216815C6-3AD0-46E6-A74A-1967BD91AF50}"/>
+                <a16:creationId xmlns:a16="http://schemas.microsoft.com/office/drawing/2014/main" id="{AEB6DBDD-C09C-E0FD-0BE4-CA38ADF515CD}"/>
               </a:ext>
             </a:extLst>
           </p:cNvPr>
-          <p:cNvSpPr>
-            <a:spLocks noGrp="1"/>
+          <p:cNvSpPr txBox="1">
+            <a:spLocks/>
           </p:cNvSpPr>
-          <p:nvPr>
-            <p:ph type="ctrTitle"/>
-          </p:nvPr>
+          <p:nvPr/>
         </p:nvSpPr>
         <p:spPr>
           <a:xfrm>
-            <a:off x="4833694" y="544285"/>
-            <a:ext cx="6594768" cy="990601"/>
+            <a:off x="4896628" y="155887"/>
+            <a:ext cx="6343650" cy="1366682"/>
           </a:xfrm>
+          <a:prstGeom prst="rect">
+            <a:avLst/>
+          </a:prstGeom>
         </p:spPr>
         <p:txBody>
-          <a:bodyPr>
-            <a:normAutofit/>
+          <a:bodyPr vert="horz" lIns="91440" tIns="45720" rIns="91440" bIns="45720" rtlCol="0" anchor="ctr">
+            <a:normAutofit lnSpcReduction="10000"/>
           </a:bodyPr>
-          <a:lstStyle/>
+          <a:lstStyle>
+            <a:lvl1pPr algn="l" defTabSz="914400" rtl="0" eaLnBrk="1" latinLnBrk="0" hangingPunct="1">
+              <a:lnSpc>
+                <a:spcPct val="90000"/>
+              </a:lnSpc>
+              <a:spcBef>
+                <a:spcPct val="0"/>
+              </a:spcBef>
+              <a:buNone/>
+              <a:defRPr sz="4800" b="1" kern="1200" cap="all" baseline="0">
+                <a:solidFill>
+                  <a:schemeClr val="tx2"/>
+                </a:solidFill>
+                <a:latin typeface="+mj-lt"/>
+                <a:ea typeface="+mj-ea"/>
+                <a:cs typeface="+mj-cs"/>
+              </a:defRPr>
+            </a:lvl1pPr>
+          </a:lstStyle>
           <a:p>
             <a:r>
               <a:rPr lang="en-US" dirty="0"/>
-              <a:t>Initial insights</a:t>
+              <a:t>Data &amp; methodology</a:t>
             </a:r>
+            <a:endParaRPr lang="en-ZA" dirty="0"/>
           </a:p>
         </p:txBody>
       </p:sp>
       <p:sp>
         <p:nvSpPr>
-          <p:cNvPr id="3" name="Subtitle 2">
+          <p:cNvPr id="5" name="TextBox 4">
             <a:extLst>
               <a:ext uri="{FF2B5EF4-FFF2-40B4-BE49-F238E27FC236}">
-                <a16:creationId xmlns:a16="http://schemas.microsoft.com/office/drawing/2014/main" id="{1901B20D-4C28-4DA3-ABBD-718C22A5E58B}"/>
+                <a16:creationId xmlns:a16="http://schemas.microsoft.com/office/drawing/2014/main" id="{D088ECD4-FAF6-E99A-C87A-6B95E000CBCE}"/>
               </a:ext>
             </a:extLst>
           </p:cNvPr>
-          <p:cNvSpPr>
-            <a:spLocks noGrp="1"/>
-          </p:cNvSpPr>
-          <p:nvPr>
-            <p:ph type="subTitle" idx="1"/>
-          </p:nvPr>
+          <p:cNvSpPr txBox="1"/>
+          <p:nvPr/>
         </p:nvSpPr>
         <p:spPr>
           <a:xfrm>
-            <a:off x="4688275" y="2032656"/>
-            <a:ext cx="6594768" cy="3453744"/>
+            <a:off x="54625" y="4705401"/>
+            <a:ext cx="3910885" cy="1923604"/>
           </a:xfrm>
+          <a:prstGeom prst="rect">
+            <a:avLst/>
+          </a:prstGeom>
+          <a:noFill/>
         </p:spPr>
         <p:txBody>
-          <a:bodyPr>
-            <a:normAutofit fontScale="77500" lnSpcReduction="20000"/>
+          <a:bodyPr wrap="square" rtlCol="0">
+            <a:spAutoFit/>
           </a:bodyPr>
           <a:lstStyle/>
           <a:p>
             <a:r>
-              <a:rPr lang="en-US" sz="1800" dirty="0"/>
-              <a:t>After investigating the data by showing some visuals and analytics we concludes the following :</a:t>
+              <a:rPr lang="en-US" sz="1700" b="1" dirty="0">
+                <a:solidFill>
+                  <a:schemeClr val="bg1"/>
+                </a:solidFill>
+              </a:rPr>
+              <a:t>Source:</a:t>
+            </a:r>
+            <a:r>
+              <a:rPr lang="en-US" sz="1700" dirty="0">
+                <a:solidFill>
+                  <a:schemeClr val="bg1"/>
+                </a:solidFill>
+              </a:rPr>
+              <a:t> ISSP 2021 Health and Health care II</a:t>
             </a:r>
           </a:p>
           <a:p>
-            <a:pPr marL="342900" indent="-342900">
+            <a:endParaRPr lang="en-US" sz="1700" dirty="0">
+              <a:solidFill>
+                <a:schemeClr val="bg1"/>
+              </a:solidFill>
+            </a:endParaRPr>
+          </a:p>
+          <a:p>
+            <a:r>
+              <a:rPr lang="en-US" sz="1700" b="1" dirty="0">
+                <a:solidFill>
+                  <a:schemeClr val="bg1"/>
+                </a:solidFill>
+              </a:rPr>
+              <a:t>Key Variables: </a:t>
+            </a:r>
+            <a:r>
+              <a:rPr lang="en-US" sz="1700" dirty="0">
+                <a:solidFill>
+                  <a:schemeClr val="bg1"/>
+                </a:solidFill>
+              </a:rPr>
+              <a:t>Confidence (v2), Internet Freq (v22), Verification (v29), Satisfaction (v44/v45)</a:t>
+            </a:r>
+            <a:endParaRPr lang="en-US" sz="1700" b="1" dirty="0">
+              <a:solidFill>
+                <a:schemeClr val="bg1"/>
+              </a:solidFill>
+            </a:endParaRPr>
+          </a:p>
+          <a:p>
+            <a:endParaRPr lang="LID4096" sz="1700" dirty="0">
+              <a:solidFill>
+                <a:schemeClr val="bg1"/>
+              </a:solidFill>
+            </a:endParaRPr>
+          </a:p>
+        </p:txBody>
+      </p:sp>
+      <p:sp>
+        <p:nvSpPr>
+          <p:cNvPr id="7" name="TextBox 6">
+            <a:extLst>
+              <a:ext uri="{FF2B5EF4-FFF2-40B4-BE49-F238E27FC236}">
+                <a16:creationId xmlns:a16="http://schemas.microsoft.com/office/drawing/2014/main" id="{C551CFB6-2763-5D0B-4DA1-398302A63C82}"/>
+              </a:ext>
+            </a:extLst>
+          </p:cNvPr>
+          <p:cNvSpPr txBox="1"/>
+          <p:nvPr/>
+        </p:nvSpPr>
+        <p:spPr>
+          <a:xfrm>
+            <a:off x="4068147" y="1950098"/>
+            <a:ext cx="6783355" cy="3369577"/>
+          </a:xfrm>
+          <a:prstGeom prst="rect">
+            <a:avLst/>
+          </a:prstGeom>
+          <a:noFill/>
+        </p:spPr>
+        <p:txBody>
+          <a:bodyPr wrap="square" rtlCol="0">
+            <a:spAutoFit/>
+          </a:bodyPr>
+          <a:lstStyle/>
+          <a:p>
+            <a:pPr>
+              <a:lnSpc>
+                <a:spcPct val="150000"/>
+              </a:lnSpc>
+            </a:pPr>
+            <a:r>
+              <a:rPr lang="en-US" b="1" u="sng" dirty="0">
+                <a:solidFill>
+                  <a:schemeClr val="bg1"/>
+                </a:solidFill>
+              </a:rPr>
+              <a:t>Data Processing :</a:t>
+            </a:r>
+          </a:p>
+          <a:p>
+            <a:pPr marL="285750" indent="-285750">
+              <a:lnSpc>
+                <a:spcPct val="150000"/>
+              </a:lnSpc>
               <a:buFont typeface="Arial" panose="020B0604020202020204" pitchFamily="34" charset="0"/>
               <a:buChar char="•"/>
             </a:pPr>
             <a:r>
-              <a:rPr lang="en-US" sz="1800" dirty="0"/>
-              <a:t>Most respondents had moderate or low confidence in their healthcare system</a:t>
+              <a:rPr lang="en-US" b="1" dirty="0">
+                <a:solidFill>
+                  <a:schemeClr val="bg1"/>
+                </a:solidFill>
+              </a:rPr>
+              <a:t>Scale Reversal :</a:t>
+            </a:r>
+            <a:r>
+              <a:rPr lang="en-US" dirty="0">
+                <a:solidFill>
+                  <a:schemeClr val="bg1"/>
+                </a:solidFill>
+              </a:rPr>
+              <a:t> Inverted scales so “Higher Number = Higher confidence/Frequency” for intuitive analysis</a:t>
             </a:r>
           </a:p>
           <a:p>
-            <a:pPr marL="342900" indent="-342900">
+            <a:pPr marL="285750" indent="-285750">
+              <a:lnSpc>
+                <a:spcPct val="150000"/>
+              </a:lnSpc>
               <a:buFont typeface="Arial" panose="020B0604020202020204" pitchFamily="34" charset="0"/>
               <a:buChar char="•"/>
             </a:pPr>
             <a:r>
-              <a:rPr lang="en-US" sz="1800" dirty="0"/>
-              <a:t>Most used the internet for health occasionally or not al all</a:t>
+              <a:rPr lang="en-US" b="1" dirty="0">
+                <a:solidFill>
+                  <a:schemeClr val="bg1"/>
+                </a:solidFill>
+              </a:rPr>
+              <a:t>Demographics : </a:t>
+            </a:r>
+            <a:r>
+              <a:rPr lang="en-US" dirty="0">
+                <a:solidFill>
+                  <a:schemeClr val="bg1"/>
+                </a:solidFill>
+              </a:rPr>
+              <a:t>Extracted and binned age groups, gender, and Urban/Rural status.</a:t>
             </a:r>
           </a:p>
           <a:p>
-            <a:pPr marL="342900" indent="-342900">
+            <a:pPr marL="285750" indent="-285750">
+              <a:lnSpc>
+                <a:spcPct val="150000"/>
+              </a:lnSpc>
               <a:buFont typeface="Arial" panose="020B0604020202020204" pitchFamily="34" charset="0"/>
               <a:buChar char="•"/>
             </a:pPr>
             <a:r>
-              <a:rPr lang="en-US" sz="1800" dirty="0"/>
-              <a:t>Low-confidence groups were more likely to use the internet for health more frequently and say the internet influenced their health behavior</a:t>
+              <a:rPr lang="en-US" b="1" dirty="0">
+                <a:solidFill>
+                  <a:schemeClr val="bg1"/>
+                </a:solidFill>
+              </a:rPr>
+              <a:t>Modeling : </a:t>
+            </a:r>
+            <a:r>
+              <a:rPr lang="en-US" dirty="0">
+                <a:solidFill>
+                  <a:schemeClr val="bg1"/>
+                </a:solidFill>
+              </a:rPr>
+              <a:t>Moved from supervised (KNN) to unsupervised learning (K-Means Clustering) to find natural user patterns.</a:t>
             </a:r>
           </a:p>
           <a:p>
-            <a:r>
-              <a:rPr lang="en-US" sz="1800" b="1" dirty="0"/>
-              <a:t>Our Conclusion </a:t>
-            </a:r>
-            <a:r>
-              <a:rPr lang="en-US" sz="1800" dirty="0"/>
-              <a:t>is that there is some inverse correlation between trust in health institutions and digital health engagement</a:t>
-            </a:r>
-          </a:p>
-          <a:p>
-            <a:endParaRPr lang="en-US" sz="1800" dirty="0"/>
-          </a:p>
-          <a:p>
-            <a:endParaRPr lang="en-US" sz="1800" dirty="0"/>
+            <a:pPr>
+              <a:lnSpc>
+                <a:spcPct val="150000"/>
+              </a:lnSpc>
+            </a:pPr>
+            <a:endParaRPr lang="LID4096" dirty="0">
+              <a:solidFill>
+                <a:schemeClr val="bg1"/>
+              </a:solidFill>
+            </a:endParaRPr>
           </a:p>
         </p:txBody>
       </p:sp>
-      <p:pic>
-        <p:nvPicPr>
-          <p:cNvPr id="13" name="Picture Placeholder 12" descr="Low angle view of tall buildings">
-            <a:extLst>
-              <a:ext uri="{FF2B5EF4-FFF2-40B4-BE49-F238E27FC236}">
-                <a16:creationId xmlns:a16="http://schemas.microsoft.com/office/drawing/2014/main" id="{1DFE730E-30E7-DA99-A3EE-ACB889D161E9}"/>
-              </a:ext>
-            </a:extLst>
-          </p:cNvPr>
-          <p:cNvPicPr>
-            <a:picLocks noGrp="1" noChangeAspect="1"/>
-          </p:cNvPicPr>
-          <p:nvPr>
-            <p:ph type="pic" sz="quarter" idx="13"/>
-          </p:nvPr>
-        </p:nvPicPr>
-        <p:blipFill>
-          <a:blip r:embed="rId3"/>
-          <a:srcRect l="43" r="43"/>
-          <a:stretch/>
-        </p:blipFill>
-        <p:spPr>
-          <a:xfrm>
-            <a:off x="0" y="-1"/>
-            <a:ext cx="4076118" cy="6096678"/>
-          </a:xfrm>
-        </p:spPr>
-      </p:pic>
-      <p:sp>
-        <p:nvSpPr>
-          <p:cNvPr id="44" name="Oval 43">
-            <a:extLst>
-              <a:ext uri="{FF2B5EF4-FFF2-40B4-BE49-F238E27FC236}">
-                <a16:creationId xmlns:a16="http://schemas.microsoft.com/office/drawing/2014/main" id="{5F855448-57DF-E468-AF41-00CAAC2D7C74}"/>
-              </a:ext>
-              <a:ext uri="{C183D7F6-B498-43B3-948B-1728B52AA6E4}">
-                <adec:decorative xmlns:adec="http://schemas.microsoft.com/office/drawing/2017/decorative" val="1"/>
-              </a:ext>
-            </a:extLst>
-          </p:cNvPr>
-          <p:cNvSpPr/>
-          <p:nvPr/>
-        </p:nvSpPr>
-        <p:spPr>
-          <a:xfrm>
-            <a:off x="3903349" y="5895479"/>
-            <a:ext cx="274320" cy="274320"/>
-          </a:xfrm>
-          <a:prstGeom prst="ellipse">
-            <a:avLst/>
-          </a:prstGeom>
-          <a:solidFill>
-            <a:schemeClr val="bg1"/>
-          </a:solidFill>
-          <a:ln>
-            <a:noFill/>
-          </a:ln>
-        </p:spPr>
-        <p:style>
-          <a:lnRef idx="2">
-            <a:schemeClr val="accent1">
-              <a:shade val="50000"/>
-            </a:schemeClr>
-          </a:lnRef>
-          <a:fillRef idx="1">
-            <a:schemeClr val="accent1"/>
-          </a:fillRef>
-          <a:effectRef idx="0">
-            <a:schemeClr val="accent1"/>
-          </a:effectRef>
-          <a:fontRef idx="minor">
-            <a:schemeClr val="lt1"/>
-          </a:fontRef>
-        </p:style>
-        <p:txBody>
-          <a:bodyPr rtlCol="0" anchor="ctr"/>
-          <a:lstStyle/>
-          <a:p>
-            <a:pPr algn="ctr"/>
-            <a:endParaRPr lang="en-US" dirty="0"/>
-          </a:p>
-        </p:txBody>
-      </p:sp>
-      <p:cxnSp>
-        <p:nvCxnSpPr>
-          <p:cNvPr id="43" name="Straight Connector 42">
-            <a:extLst>
-              <a:ext uri="{FF2B5EF4-FFF2-40B4-BE49-F238E27FC236}">
-                <a16:creationId xmlns:a16="http://schemas.microsoft.com/office/drawing/2014/main" id="{752FDA21-768F-9929-E6D6-D78CD4F8EA24}"/>
-              </a:ext>
-              <a:ext uri="{C183D7F6-B498-43B3-948B-1728B52AA6E4}">
-                <adec:decorative xmlns:adec="http://schemas.microsoft.com/office/drawing/2017/decorative" val="1"/>
-              </a:ext>
-            </a:extLst>
-          </p:cNvPr>
-          <p:cNvCxnSpPr>
-            <a:cxnSpLocks/>
-          </p:cNvCxnSpPr>
-          <p:nvPr/>
-        </p:nvCxnSpPr>
-        <p:spPr>
-          <a:xfrm>
-            <a:off x="-97971" y="1909602"/>
-            <a:ext cx="4160955" cy="4149155"/>
-          </a:xfrm>
-          <a:prstGeom prst="line">
-            <a:avLst/>
-          </a:prstGeom>
-          <a:ln w="50800">
-            <a:solidFill>
-              <a:schemeClr val="bg1"/>
-            </a:solidFill>
-          </a:ln>
-        </p:spPr>
-        <p:style>
-          <a:lnRef idx="1">
-            <a:schemeClr val="accent1"/>
-          </a:lnRef>
-          <a:fillRef idx="0">
-            <a:schemeClr val="accent1"/>
-          </a:fillRef>
-          <a:effectRef idx="0">
-            <a:schemeClr val="accent1"/>
-          </a:effectRef>
-          <a:fontRef idx="minor">
-            <a:schemeClr val="tx1"/>
-          </a:fontRef>
-        </p:style>
-      </p:cxnSp>
     </p:spTree>
     <p:extLst>
       <p:ext uri="{BB962C8B-B14F-4D97-AF65-F5344CB8AC3E}">
-        <p14:creationId xmlns:p14="http://schemas.microsoft.com/office/powerpoint/2010/main" val="1329539271"/>
+        <p14:creationId xmlns:p14="http://schemas.microsoft.com/office/powerpoint/2010/main" val="1153842985"/>
       </p:ext>
     </p:extLst>
   </p:cSld>
@@ -21085,7 +21348,7 @@
           <p:cNvPr id="2" name="Title 1">
             <a:extLst>
               <a:ext uri="{FF2B5EF4-FFF2-40B4-BE49-F238E27FC236}">
-                <a16:creationId xmlns:a16="http://schemas.microsoft.com/office/drawing/2014/main" id="{537E1C88-627C-4655-A4FB-0BB02EDB078A}"/>
+                <a16:creationId xmlns:a16="http://schemas.microsoft.com/office/drawing/2014/main" id="{9861222D-9925-EFDE-6AC6-37F3562F5568}"/>
               </a:ext>
             </a:extLst>
           </p:cNvPr>
@@ -21098,99 +21361,69 @@
         </p:nvSpPr>
         <p:spPr>
           <a:xfrm>
-            <a:off x="762001" y="896112"/>
-            <a:ext cx="6589150" cy="1988706"/>
+            <a:off x="1030822" y="1"/>
+            <a:ext cx="10295099" cy="1243340"/>
           </a:xfrm>
         </p:spPr>
         <p:txBody>
-          <a:bodyPr/>
-          <a:lstStyle/>
-          <a:p>
-            <a:r>
-              <a:rPr lang="en-US" dirty="0"/>
-              <a:t>Visual highlights</a:t>
-            </a:r>
-          </a:p>
-        </p:txBody>
-      </p:sp>
-      <p:sp>
-        <p:nvSpPr>
-          <p:cNvPr id="3" name="Content Placeholder 2">
-            <a:extLst>
-              <a:ext uri="{FF2B5EF4-FFF2-40B4-BE49-F238E27FC236}">
-                <a16:creationId xmlns:a16="http://schemas.microsoft.com/office/drawing/2014/main" id="{033634FE-ADF0-4BC3-A0A9-447EA9DD096B}"/>
-              </a:ext>
-            </a:extLst>
-          </p:cNvPr>
-          <p:cNvSpPr>
-            <a:spLocks noGrp="1"/>
-          </p:cNvSpPr>
-          <p:nvPr>
-            <p:ph sz="half" idx="14"/>
-          </p:nvPr>
-        </p:nvSpPr>
-        <p:spPr>
-          <a:xfrm>
-            <a:off x="762000" y="3059113"/>
-            <a:ext cx="6597650" cy="3295650"/>
-          </a:xfrm>
-        </p:spPr>
-        <p:txBody>
-          <a:bodyPr vert="horz" lIns="91440" tIns="45720" rIns="91440" bIns="45720" rtlCol="0" anchor="t">
-            <a:normAutofit/>
+          <a:bodyPr>
+            <a:normAutofit fontScale="90000"/>
           </a:bodyPr>
           <a:lstStyle/>
           <a:p>
             <a:r>
               <a:rPr lang="en-US" dirty="0"/>
-              <a:t>In our notebook we have 3 main visuals : </a:t>
+              <a:t>Insight 1 –</a:t>
             </a:r>
-          </a:p>
-          <a:p>
-            <a:pPr marL="342900" indent="-342900">
-              <a:buFont typeface="+mj-lt"/>
-              <a:buAutoNum type="arabicPeriod"/>
-            </a:pPr>
+            <a:br>
+              <a:rPr lang="en-US" dirty="0"/>
+            </a:br>
             <a:r>
               <a:rPr lang="en-US" dirty="0"/>
-              <a:t>Bar chart – Confidence in Healthcare system (V2)</a:t>
+              <a:t>The Demographic Divide</a:t>
             </a:r>
-          </a:p>
-          <a:p>
-            <a:pPr marL="342900" indent="-342900">
-              <a:buFont typeface="+mj-lt"/>
-              <a:buAutoNum type="arabicPeriod"/>
-            </a:pPr>
-            <a:r>
-              <a:rPr lang="en-US" dirty="0"/>
-              <a:t>Bar chart – Internet Usage Frequency (V22)</a:t>
-            </a:r>
-          </a:p>
-          <a:p>
-            <a:pPr marL="342900" indent="-342900">
-              <a:buFont typeface="+mj-lt"/>
-              <a:buAutoNum type="arabicPeriod"/>
-            </a:pPr>
-            <a:r>
-              <a:rPr lang="en-US" dirty="0"/>
-              <a:t>Comparative bar chart – Internet use by high vs low Trust groups</a:t>
-            </a:r>
-          </a:p>
-          <a:p>
-            <a:pPr marL="342900" indent="-342900">
-              <a:buFont typeface="+mj-lt"/>
-              <a:buAutoNum type="arabicPeriod"/>
-            </a:pPr>
-            <a:endParaRPr lang="en-US" dirty="0"/>
+            <a:endParaRPr lang="LID4096" dirty="0"/>
           </a:p>
         </p:txBody>
       </p:sp>
+      <p:pic>
+        <p:nvPicPr>
+          <p:cNvPr id="7" name="Content Placeholder 6">
+            <a:extLst>
+              <a:ext uri="{FF2B5EF4-FFF2-40B4-BE49-F238E27FC236}">
+                <a16:creationId xmlns:a16="http://schemas.microsoft.com/office/drawing/2014/main" id="{E2D4424B-4F10-BDFD-BDAF-B8084CF807D1}"/>
+              </a:ext>
+            </a:extLst>
+          </p:cNvPr>
+          <p:cNvPicPr>
+            <a:picLocks noGrp="1" noChangeAspect="1"/>
+          </p:cNvPicPr>
+          <p:nvPr>
+            <p:ph sz="half" idx="16"/>
+          </p:nvPr>
+        </p:nvPicPr>
+        <p:blipFill>
+          <a:blip r:embed="rId3"/>
+          <a:stretch>
+            <a:fillRect/>
+          </a:stretch>
+        </p:blipFill>
+        <p:spPr>
+          <a:xfrm>
+            <a:off x="0" y="1054359"/>
+            <a:ext cx="6083560" cy="3816221"/>
+          </a:xfrm>
+          <a:prstGeom prst="rect">
+            <a:avLst/>
+          </a:prstGeom>
+        </p:spPr>
+      </p:pic>
       <p:sp>
         <p:nvSpPr>
-          <p:cNvPr id="6" name="Slide Number Placeholder 5">
+          <p:cNvPr id="5" name="Slide Number Placeholder 4">
             <a:extLst>
               <a:ext uri="{FF2B5EF4-FFF2-40B4-BE49-F238E27FC236}">
-                <a16:creationId xmlns:a16="http://schemas.microsoft.com/office/drawing/2014/main" id="{A4AC050D-BAF4-C23C-F8EC-24DEC4293002}"/>
+                <a16:creationId xmlns:a16="http://schemas.microsoft.com/office/drawing/2014/main" id="{B681905D-B429-2FDA-04CB-D3C7A53E9A13}"/>
               </a:ext>
             </a:extLst>
           </p:cNvPr>
@@ -21215,10 +21448,187 @@
           </a:p>
         </p:txBody>
       </p:sp>
+      <p:sp>
+        <p:nvSpPr>
+          <p:cNvPr id="9" name="TextBox 8">
+            <a:extLst>
+              <a:ext uri="{FF2B5EF4-FFF2-40B4-BE49-F238E27FC236}">
+                <a16:creationId xmlns:a16="http://schemas.microsoft.com/office/drawing/2014/main" id="{AC268C86-8458-D8B1-0567-EA53247ED235}"/>
+              </a:ext>
+            </a:extLst>
+          </p:cNvPr>
+          <p:cNvSpPr txBox="1"/>
+          <p:nvPr/>
+        </p:nvSpPr>
+        <p:spPr>
+          <a:xfrm>
+            <a:off x="3041780" y="4826674"/>
+            <a:ext cx="9265301" cy="2308324"/>
+          </a:xfrm>
+          <a:prstGeom prst="rect">
+            <a:avLst/>
+          </a:prstGeom>
+          <a:noFill/>
+        </p:spPr>
+        <p:txBody>
+          <a:bodyPr wrap="square" rtlCol="0">
+            <a:spAutoFit/>
+          </a:bodyPr>
+          <a:lstStyle/>
+          <a:p>
+            <a:r>
+              <a:rPr lang="en-US" b="1" u="sng" dirty="0">
+                <a:solidFill>
+                  <a:schemeClr val="bg1"/>
+                </a:solidFill>
+              </a:rPr>
+              <a:t>Key Findings :</a:t>
+            </a:r>
+          </a:p>
+          <a:p>
+            <a:pPr marL="285750" indent="-285750">
+              <a:buFont typeface="Arial" panose="020B0604020202020204" pitchFamily="34" charset="0"/>
+              <a:buChar char="•"/>
+            </a:pPr>
+            <a:r>
+              <a:rPr lang="en-US" b="1" dirty="0">
+                <a:solidFill>
+                  <a:schemeClr val="bg1"/>
+                </a:solidFill>
+              </a:rPr>
+              <a:t>Age is the primary driver:</a:t>
+            </a:r>
+            <a:r>
+              <a:rPr lang="en-US" dirty="0">
+                <a:solidFill>
+                  <a:schemeClr val="bg1"/>
+                </a:solidFill>
+              </a:rPr>
+              <a:t> “Young Adults” are the heaviest users of digital health info</a:t>
+            </a:r>
+          </a:p>
+          <a:p>
+            <a:pPr marL="285750" indent="-285750">
+              <a:buFont typeface="Arial" panose="020B0604020202020204" pitchFamily="34" charset="0"/>
+              <a:buChar char="•"/>
+            </a:pPr>
+            <a:r>
+              <a:rPr lang="en-US" b="1" dirty="0">
+                <a:solidFill>
+                  <a:schemeClr val="bg1"/>
+                </a:solidFill>
+              </a:rPr>
+              <a:t>The Gender gap: </a:t>
+            </a:r>
+            <a:r>
+              <a:rPr lang="en-US" dirty="0">
+                <a:solidFill>
+                  <a:schemeClr val="bg1"/>
+                </a:solidFill>
+              </a:rPr>
+              <a:t>Females tend to search for more health info</a:t>
+            </a:r>
+          </a:p>
+          <a:p>
+            <a:pPr marL="285750" indent="-285750">
+              <a:buFont typeface="Arial" panose="020B0604020202020204" pitchFamily="34" charset="0"/>
+              <a:buChar char="•"/>
+            </a:pPr>
+            <a:r>
+              <a:rPr lang="en-US" b="1" dirty="0">
+                <a:solidFill>
+                  <a:schemeClr val="bg1"/>
+                </a:solidFill>
+              </a:rPr>
+              <a:t>Location: </a:t>
+            </a:r>
+            <a:r>
+              <a:rPr lang="en-US" dirty="0">
+                <a:solidFill>
+                  <a:schemeClr val="bg1"/>
+                </a:solidFill>
+              </a:rPr>
+              <a:t>Urban residents show higher digital engagement by a small margin</a:t>
+            </a:r>
+            <a:br>
+              <a:rPr lang="en-US" dirty="0">
+                <a:solidFill>
+                  <a:schemeClr val="bg1"/>
+                </a:solidFill>
+              </a:rPr>
+            </a:br>
+            <a:endParaRPr lang="en-US" dirty="0">
+              <a:solidFill>
+                <a:schemeClr val="bg1"/>
+              </a:solidFill>
+            </a:endParaRPr>
+          </a:p>
+          <a:p>
+            <a:r>
+              <a:rPr lang="en-US" b="1" dirty="0">
+                <a:solidFill>
+                  <a:schemeClr val="bg1"/>
+                </a:solidFill>
+              </a:rPr>
+              <a:t>Takeaway: </a:t>
+            </a:r>
+            <a:r>
+              <a:rPr lang="en-US" dirty="0">
+                <a:solidFill>
+                  <a:schemeClr val="bg1"/>
+                </a:solidFill>
+              </a:rPr>
+              <a:t>Digital health literacy is not uniform, its heavily skewed by demographics</a:t>
+            </a:r>
+            <a:endParaRPr lang="en-US" b="1" dirty="0">
+              <a:solidFill>
+                <a:schemeClr val="bg1"/>
+              </a:solidFill>
+            </a:endParaRPr>
+          </a:p>
+          <a:p>
+            <a:endParaRPr lang="LID4096" dirty="0">
+              <a:solidFill>
+                <a:schemeClr val="bg1"/>
+              </a:solidFill>
+            </a:endParaRPr>
+          </a:p>
+        </p:txBody>
+      </p:sp>
+      <p:pic>
+        <p:nvPicPr>
+          <p:cNvPr id="13" name="Picture 12">
+            <a:extLst>
+              <a:ext uri="{FF2B5EF4-FFF2-40B4-BE49-F238E27FC236}">
+                <a16:creationId xmlns:a16="http://schemas.microsoft.com/office/drawing/2014/main" id="{670EDFE4-12C5-DA7A-ED06-990B0BC60FB5}"/>
+              </a:ext>
+            </a:extLst>
+          </p:cNvPr>
+          <p:cNvPicPr>
+            <a:picLocks noChangeAspect="1"/>
+          </p:cNvPicPr>
+          <p:nvPr/>
+        </p:nvPicPr>
+        <p:blipFill>
+          <a:blip r:embed="rId4"/>
+          <a:stretch>
+            <a:fillRect/>
+          </a:stretch>
+        </p:blipFill>
+        <p:spPr>
+          <a:xfrm>
+            <a:off x="6083561" y="1054359"/>
+            <a:ext cx="6083560" cy="3816221"/>
+          </a:xfrm>
+          <a:prstGeom prst="rect">
+            <a:avLst/>
+          </a:prstGeom>
+        </p:spPr>
+      </p:pic>
     </p:spTree>
     <p:extLst>
       <p:ext uri="{BB962C8B-B14F-4D97-AF65-F5344CB8AC3E}">
-        <p14:creationId xmlns:p14="http://schemas.microsoft.com/office/powerpoint/2010/main" val="1346372204"/>
+        <p14:creationId xmlns:p14="http://schemas.microsoft.com/office/powerpoint/2010/main" val="18772238"/>
       </p:ext>
     </p:extLst>
   </p:cSld>
@@ -21229,6 +21639,1176 @@
 </file>
 
 <file path=ppt/slides/slide5.xml><?xml version="1.0" encoding="utf-8"?>
+<p:sld xmlns:a="http://schemas.openxmlformats.org/drawingml/2006/main" xmlns:r="http://schemas.openxmlformats.org/officeDocument/2006/relationships" xmlns:p="http://schemas.openxmlformats.org/presentationml/2006/main">
+  <p:cSld>
+    <p:spTree>
+      <p:nvGrpSpPr>
+        <p:cNvPr id="1" name="">
+          <a:extLst>
+            <a:ext uri="{FF2B5EF4-FFF2-40B4-BE49-F238E27FC236}">
+              <a16:creationId xmlns:a16="http://schemas.microsoft.com/office/drawing/2014/main" id="{1F5E2642-DD71-78A4-E09F-01EA4E116BBB}"/>
+            </a:ext>
+          </a:extLst>
+        </p:cNvPr>
+        <p:cNvGrpSpPr/>
+        <p:nvPr/>
+      </p:nvGrpSpPr>
+      <p:grpSpPr>
+        <a:xfrm>
+          <a:off x="0" y="0"/>
+          <a:ext cx="0" cy="0"/>
+          <a:chOff x="0" y="0"/>
+          <a:chExt cx="0" cy="0"/>
+        </a:xfrm>
+      </p:grpSpPr>
+      <p:sp>
+        <p:nvSpPr>
+          <p:cNvPr id="2" name="Title 1">
+            <a:extLst>
+              <a:ext uri="{FF2B5EF4-FFF2-40B4-BE49-F238E27FC236}">
+                <a16:creationId xmlns:a16="http://schemas.microsoft.com/office/drawing/2014/main" id="{2C8F5035-5349-97C7-C718-1E3E401F5FEE}"/>
+              </a:ext>
+            </a:extLst>
+          </p:cNvPr>
+          <p:cNvSpPr>
+            <a:spLocks noGrp="1"/>
+          </p:cNvSpPr>
+          <p:nvPr>
+            <p:ph type="title"/>
+          </p:nvPr>
+        </p:nvSpPr>
+        <p:spPr>
+          <a:xfrm>
+            <a:off x="1030822" y="1"/>
+            <a:ext cx="10295099" cy="1243340"/>
+          </a:xfrm>
+        </p:spPr>
+        <p:txBody>
+          <a:bodyPr>
+            <a:normAutofit fontScale="90000"/>
+          </a:bodyPr>
+          <a:lstStyle/>
+          <a:p>
+            <a:r>
+              <a:rPr lang="en-US" dirty="0"/>
+              <a:t>Insight 2 –</a:t>
+            </a:r>
+            <a:br>
+              <a:rPr lang="en-US" dirty="0"/>
+            </a:br>
+            <a:r>
+              <a:rPr lang="en-US" dirty="0"/>
+              <a:t>The Trust paradox</a:t>
+            </a:r>
+            <a:endParaRPr lang="LID4096" dirty="0"/>
+          </a:p>
+        </p:txBody>
+      </p:sp>
+      <p:sp>
+        <p:nvSpPr>
+          <p:cNvPr id="5" name="Slide Number Placeholder 4">
+            <a:extLst>
+              <a:ext uri="{FF2B5EF4-FFF2-40B4-BE49-F238E27FC236}">
+                <a16:creationId xmlns:a16="http://schemas.microsoft.com/office/drawing/2014/main" id="{D762DBA1-3D41-57F6-6D98-94DA5E614EDD}"/>
+              </a:ext>
+            </a:extLst>
+          </p:cNvPr>
+          <p:cNvSpPr>
+            <a:spLocks noGrp="1"/>
+          </p:cNvSpPr>
+          <p:nvPr>
+            <p:ph type="sldNum" sz="quarter" idx="12"/>
+          </p:nvPr>
+        </p:nvSpPr>
+        <p:spPr/>
+        <p:txBody>
+          <a:bodyPr/>
+          <a:lstStyle/>
+          <a:p>
+            <a:fld id="{B5CEABB6-07DC-46E8-9B57-56EC44A396E5}" type="slidenum">
+              <a:rPr lang="en-US" smtClean="0"/>
+              <a:pPr/>
+              <a:t>5</a:t>
+            </a:fld>
+            <a:endParaRPr lang="en-US" dirty="0"/>
+          </a:p>
+        </p:txBody>
+      </p:sp>
+      <p:sp>
+        <p:nvSpPr>
+          <p:cNvPr id="9" name="TextBox 8">
+            <a:extLst>
+              <a:ext uri="{FF2B5EF4-FFF2-40B4-BE49-F238E27FC236}">
+                <a16:creationId xmlns:a16="http://schemas.microsoft.com/office/drawing/2014/main" id="{8055AB1B-416F-A225-84C9-62DF47ADF7B8}"/>
+              </a:ext>
+            </a:extLst>
+          </p:cNvPr>
+          <p:cNvSpPr txBox="1"/>
+          <p:nvPr/>
+        </p:nvSpPr>
+        <p:spPr>
+          <a:xfrm>
+            <a:off x="3041780" y="4826674"/>
+            <a:ext cx="9265301" cy="2308324"/>
+          </a:xfrm>
+          <a:prstGeom prst="rect">
+            <a:avLst/>
+          </a:prstGeom>
+          <a:noFill/>
+        </p:spPr>
+        <p:txBody>
+          <a:bodyPr wrap="square" rtlCol="0">
+            <a:spAutoFit/>
+          </a:bodyPr>
+          <a:lstStyle/>
+          <a:p>
+            <a:r>
+              <a:rPr lang="en-US" b="1" u="sng" dirty="0">
+                <a:solidFill>
+                  <a:schemeClr val="bg1"/>
+                </a:solidFill>
+              </a:rPr>
+              <a:t>Key Findings :</a:t>
+            </a:r>
+          </a:p>
+          <a:p>
+            <a:pPr marL="285750" indent="-285750">
+              <a:buFont typeface="Arial" panose="020B0604020202020204" pitchFamily="34" charset="0"/>
+              <a:buChar char="•"/>
+            </a:pPr>
+            <a:r>
+              <a:rPr lang="en-US" b="1" dirty="0">
+                <a:solidFill>
+                  <a:schemeClr val="bg1"/>
+                </a:solidFill>
+              </a:rPr>
+              <a:t>The Skeptic’s Tool:</a:t>
+            </a:r>
+            <a:r>
+              <a:rPr lang="en-US" dirty="0">
+                <a:solidFill>
+                  <a:schemeClr val="bg1"/>
+                </a:solidFill>
+              </a:rPr>
+              <a:t> Individuals with </a:t>
+            </a:r>
+            <a:r>
+              <a:rPr lang="en-US" b="1" dirty="0">
+                <a:solidFill>
+                  <a:schemeClr val="bg1"/>
+                </a:solidFill>
+              </a:rPr>
+              <a:t>low Confidence</a:t>
+            </a:r>
+            <a:r>
+              <a:rPr lang="en-US" dirty="0">
+                <a:solidFill>
+                  <a:schemeClr val="bg1"/>
+                </a:solidFill>
+              </a:rPr>
+              <a:t> in healthcare system are significantly </a:t>
+            </a:r>
+            <a:r>
+              <a:rPr lang="en-US" b="1" dirty="0">
+                <a:solidFill>
+                  <a:schemeClr val="bg1"/>
+                </a:solidFill>
+              </a:rPr>
+              <a:t>more likely</a:t>
+            </a:r>
+            <a:r>
+              <a:rPr lang="en-US" dirty="0">
+                <a:solidFill>
+                  <a:schemeClr val="bg1"/>
+                </a:solidFill>
+              </a:rPr>
+              <a:t> to use the internet to “double- check” their doctor.</a:t>
+            </a:r>
+          </a:p>
+          <a:p>
+            <a:pPr marL="285750" indent="-285750">
+              <a:buFont typeface="Arial" panose="020B0604020202020204" pitchFamily="34" charset="0"/>
+              <a:buChar char="•"/>
+            </a:pPr>
+            <a:r>
+              <a:rPr lang="en-US" b="1" dirty="0">
+                <a:solidFill>
+                  <a:schemeClr val="bg1"/>
+                </a:solidFill>
+              </a:rPr>
+              <a:t>Behavioral Split: </a:t>
+            </a:r>
+            <a:r>
+              <a:rPr lang="en-US" dirty="0">
+                <a:solidFill>
+                  <a:schemeClr val="bg1"/>
+                </a:solidFill>
+              </a:rPr>
+              <a:t>High-trust individuals often report “Never” or “Serval\year” using the internet for health, relaying entirely on the system.</a:t>
+            </a:r>
+          </a:p>
+          <a:p>
+            <a:r>
+              <a:rPr lang="en-US" b="1" dirty="0">
+                <a:solidFill>
+                  <a:schemeClr val="bg1"/>
+                </a:solidFill>
+              </a:rPr>
+              <a:t>Conclusion: </a:t>
+            </a:r>
+            <a:r>
+              <a:rPr lang="en-US" dirty="0">
+                <a:solidFill>
+                  <a:schemeClr val="bg1"/>
+                </a:solidFill>
+              </a:rPr>
+              <a:t>There is a clear </a:t>
+            </a:r>
+            <a:r>
+              <a:rPr lang="en-US" b="1" dirty="0">
+                <a:solidFill>
+                  <a:schemeClr val="bg1"/>
+                </a:solidFill>
+              </a:rPr>
+              <a:t>Inverse Correlation </a:t>
+            </a:r>
+            <a:r>
+              <a:rPr lang="en-US" dirty="0">
+                <a:solidFill>
+                  <a:schemeClr val="bg1"/>
+                </a:solidFill>
+              </a:rPr>
+              <a:t>– distrust in the system drives digital verification.</a:t>
+            </a:r>
+            <a:endParaRPr lang="en-US" b="1" dirty="0">
+              <a:solidFill>
+                <a:schemeClr val="bg1"/>
+              </a:solidFill>
+            </a:endParaRPr>
+          </a:p>
+          <a:p>
+            <a:endParaRPr lang="LID4096" dirty="0">
+              <a:solidFill>
+                <a:schemeClr val="bg1"/>
+              </a:solidFill>
+            </a:endParaRPr>
+          </a:p>
+        </p:txBody>
+      </p:sp>
+      <p:pic>
+        <p:nvPicPr>
+          <p:cNvPr id="8" name="Picture 7">
+            <a:extLst>
+              <a:ext uri="{FF2B5EF4-FFF2-40B4-BE49-F238E27FC236}">
+                <a16:creationId xmlns:a16="http://schemas.microsoft.com/office/drawing/2014/main" id="{9C7E395B-54D7-D488-BE06-2BFC66F2319A}"/>
+              </a:ext>
+            </a:extLst>
+          </p:cNvPr>
+          <p:cNvPicPr>
+            <a:picLocks noChangeAspect="1"/>
+          </p:cNvPicPr>
+          <p:nvPr/>
+        </p:nvPicPr>
+        <p:blipFill>
+          <a:blip r:embed="rId3"/>
+          <a:stretch>
+            <a:fillRect/>
+          </a:stretch>
+        </p:blipFill>
+        <p:spPr>
+          <a:xfrm>
+            <a:off x="24879" y="1073639"/>
+            <a:ext cx="5620141" cy="3796942"/>
+          </a:xfrm>
+          <a:prstGeom prst="rect">
+            <a:avLst/>
+          </a:prstGeom>
+        </p:spPr>
+      </p:pic>
+      <p:pic>
+        <p:nvPicPr>
+          <p:cNvPr id="11" name="Picture 10">
+            <a:extLst>
+              <a:ext uri="{FF2B5EF4-FFF2-40B4-BE49-F238E27FC236}">
+                <a16:creationId xmlns:a16="http://schemas.microsoft.com/office/drawing/2014/main" id="{EA250440-7D85-44C8-0DF7-8D724F412392}"/>
+              </a:ext>
+            </a:extLst>
+          </p:cNvPr>
+          <p:cNvPicPr>
+            <a:picLocks noChangeAspect="1"/>
+          </p:cNvPicPr>
+          <p:nvPr/>
+        </p:nvPicPr>
+        <p:blipFill>
+          <a:blip r:embed="rId4"/>
+          <a:stretch>
+            <a:fillRect/>
+          </a:stretch>
+        </p:blipFill>
+        <p:spPr>
+          <a:xfrm>
+            <a:off x="5645020" y="1073639"/>
+            <a:ext cx="6522101" cy="3796942"/>
+          </a:xfrm>
+          <a:prstGeom prst="rect">
+            <a:avLst/>
+          </a:prstGeom>
+        </p:spPr>
+      </p:pic>
+    </p:spTree>
+    <p:extLst>
+      <p:ext uri="{BB962C8B-B14F-4D97-AF65-F5344CB8AC3E}">
+        <p14:creationId xmlns:p14="http://schemas.microsoft.com/office/powerpoint/2010/main" val="4267860915"/>
+      </p:ext>
+    </p:extLst>
+  </p:cSld>
+  <p:clrMapOvr>
+    <a:masterClrMapping/>
+  </p:clrMapOvr>
+</p:sld>
+</file>
+
+<file path=ppt/slides/slide6.xml><?xml version="1.0" encoding="utf-8"?>
+<p:sld xmlns:a="http://schemas.openxmlformats.org/drawingml/2006/main" xmlns:r="http://schemas.openxmlformats.org/officeDocument/2006/relationships" xmlns:p="http://schemas.openxmlformats.org/presentationml/2006/main">
+  <p:cSld>
+    <p:spTree>
+      <p:nvGrpSpPr>
+        <p:cNvPr id="1" name=""/>
+        <p:cNvGrpSpPr/>
+        <p:nvPr/>
+      </p:nvGrpSpPr>
+      <p:grpSpPr>
+        <a:xfrm>
+          <a:off x="0" y="0"/>
+          <a:ext cx="0" cy="0"/>
+          <a:chOff x="0" y="0"/>
+          <a:chExt cx="0" cy="0"/>
+        </a:xfrm>
+      </p:grpSpPr>
+      <p:sp>
+        <p:nvSpPr>
+          <p:cNvPr id="2" name="Title 1">
+            <a:extLst>
+              <a:ext uri="{FF2B5EF4-FFF2-40B4-BE49-F238E27FC236}">
+                <a16:creationId xmlns:a16="http://schemas.microsoft.com/office/drawing/2014/main" id="{81EF8DCF-6DA7-64A5-6299-91DE6378EDC3}"/>
+              </a:ext>
+            </a:extLst>
+          </p:cNvPr>
+          <p:cNvSpPr>
+            <a:spLocks noGrp="1"/>
+          </p:cNvSpPr>
+          <p:nvPr>
+            <p:ph type="title"/>
+          </p:nvPr>
+        </p:nvSpPr>
+        <p:spPr>
+          <a:xfrm>
+            <a:off x="0" y="1"/>
+            <a:ext cx="10665845" cy="1035698"/>
+          </a:xfrm>
+        </p:spPr>
+        <p:txBody>
+          <a:bodyPr>
+            <a:normAutofit fontScale="90000"/>
+          </a:bodyPr>
+          <a:lstStyle/>
+          <a:p>
+            <a:r>
+              <a:rPr lang="en-US" dirty="0"/>
+              <a:t>Insight 3 –</a:t>
+            </a:r>
+            <a:br>
+              <a:rPr lang="en-US" dirty="0"/>
+            </a:br>
+            <a:r>
+              <a:rPr lang="en-US" dirty="0"/>
+              <a:t>Identifying user personas</a:t>
+            </a:r>
+            <a:endParaRPr lang="LID4096" dirty="0"/>
+          </a:p>
+        </p:txBody>
+      </p:sp>
+      <p:sp>
+        <p:nvSpPr>
+          <p:cNvPr id="4" name="Slide Number Placeholder 3">
+            <a:extLst>
+              <a:ext uri="{FF2B5EF4-FFF2-40B4-BE49-F238E27FC236}">
+                <a16:creationId xmlns:a16="http://schemas.microsoft.com/office/drawing/2014/main" id="{887329B3-CB3F-2F3C-7A4D-8CE10D3FF3F7}"/>
+              </a:ext>
+            </a:extLst>
+          </p:cNvPr>
+          <p:cNvSpPr>
+            <a:spLocks noGrp="1"/>
+          </p:cNvSpPr>
+          <p:nvPr>
+            <p:ph type="sldNum" sz="quarter" idx="12"/>
+          </p:nvPr>
+        </p:nvSpPr>
+        <p:spPr/>
+        <p:txBody>
+          <a:bodyPr/>
+          <a:lstStyle/>
+          <a:p>
+            <a:fld id="{B5CEABB6-07DC-46E8-9B57-56EC44A396E5}" type="slidenum">
+              <a:rPr lang="en-US" smtClean="0"/>
+              <a:pPr/>
+              <a:t>6</a:t>
+            </a:fld>
+            <a:endParaRPr lang="en-US" dirty="0"/>
+          </a:p>
+        </p:txBody>
+      </p:sp>
+      <p:pic>
+        <p:nvPicPr>
+          <p:cNvPr id="5" name="Picture 4">
+            <a:extLst>
+              <a:ext uri="{FF2B5EF4-FFF2-40B4-BE49-F238E27FC236}">
+                <a16:creationId xmlns:a16="http://schemas.microsoft.com/office/drawing/2014/main" id="{6147C977-30D2-3AC8-B213-8C1DE7CF67C2}"/>
+              </a:ext>
+            </a:extLst>
+          </p:cNvPr>
+          <p:cNvPicPr>
+            <a:picLocks noChangeAspect="1"/>
+          </p:cNvPicPr>
+          <p:nvPr/>
+        </p:nvPicPr>
+        <p:blipFill>
+          <a:blip r:embed="rId3"/>
+          <a:stretch>
+            <a:fillRect/>
+          </a:stretch>
+        </p:blipFill>
+        <p:spPr>
+          <a:xfrm>
+            <a:off x="8021150" y="1035696"/>
+            <a:ext cx="4165931" cy="3655229"/>
+          </a:xfrm>
+          <a:prstGeom prst="rect">
+            <a:avLst/>
+          </a:prstGeom>
+        </p:spPr>
+      </p:pic>
+      <p:pic>
+        <p:nvPicPr>
+          <p:cNvPr id="6" name="Picture 5">
+            <a:extLst>
+              <a:ext uri="{FF2B5EF4-FFF2-40B4-BE49-F238E27FC236}">
+                <a16:creationId xmlns:a16="http://schemas.microsoft.com/office/drawing/2014/main" id="{2FA1F925-9DEC-AFEB-59E7-C36C3FA9C64E}"/>
+              </a:ext>
+            </a:extLst>
+          </p:cNvPr>
+          <p:cNvPicPr>
+            <a:picLocks noChangeAspect="1"/>
+          </p:cNvPicPr>
+          <p:nvPr/>
+        </p:nvPicPr>
+        <p:blipFill>
+          <a:blip r:embed="rId4"/>
+          <a:stretch>
+            <a:fillRect/>
+          </a:stretch>
+        </p:blipFill>
+        <p:spPr>
+          <a:xfrm>
+            <a:off x="4917" y="1035698"/>
+            <a:ext cx="4207551" cy="3655229"/>
+          </a:xfrm>
+          <a:prstGeom prst="rect">
+            <a:avLst/>
+          </a:prstGeom>
+        </p:spPr>
+      </p:pic>
+      <p:pic>
+        <p:nvPicPr>
+          <p:cNvPr id="7" name="Picture 6">
+            <a:extLst>
+              <a:ext uri="{FF2B5EF4-FFF2-40B4-BE49-F238E27FC236}">
+                <a16:creationId xmlns:a16="http://schemas.microsoft.com/office/drawing/2014/main" id="{40194232-6E7E-1FAD-F635-E8D56CFD7626}"/>
+              </a:ext>
+            </a:extLst>
+          </p:cNvPr>
+          <p:cNvPicPr>
+            <a:picLocks noChangeAspect="1"/>
+          </p:cNvPicPr>
+          <p:nvPr/>
+        </p:nvPicPr>
+        <p:blipFill>
+          <a:blip r:embed="rId5"/>
+          <a:stretch>
+            <a:fillRect/>
+          </a:stretch>
+        </p:blipFill>
+        <p:spPr>
+          <a:xfrm>
+            <a:off x="4137466" y="1035696"/>
+            <a:ext cx="3917067" cy="3655229"/>
+          </a:xfrm>
+          <a:prstGeom prst="rect">
+            <a:avLst/>
+          </a:prstGeom>
+        </p:spPr>
+      </p:pic>
+      <p:sp>
+        <p:nvSpPr>
+          <p:cNvPr id="8" name="TextBox 7">
+            <a:extLst>
+              <a:ext uri="{FF2B5EF4-FFF2-40B4-BE49-F238E27FC236}">
+                <a16:creationId xmlns:a16="http://schemas.microsoft.com/office/drawing/2014/main" id="{E664E425-C8D9-6CFE-A57E-0D2D5ADA1B5B}"/>
+              </a:ext>
+            </a:extLst>
+          </p:cNvPr>
+          <p:cNvSpPr txBox="1"/>
+          <p:nvPr/>
+        </p:nvSpPr>
+        <p:spPr>
+          <a:xfrm>
+            <a:off x="0" y="4690928"/>
+            <a:ext cx="5990252" cy="2031325"/>
+          </a:xfrm>
+          <a:prstGeom prst="rect">
+            <a:avLst/>
+          </a:prstGeom>
+          <a:noFill/>
+        </p:spPr>
+        <p:txBody>
+          <a:bodyPr wrap="square" rtlCol="0">
+            <a:spAutoFit/>
+          </a:bodyPr>
+          <a:lstStyle/>
+          <a:p>
+            <a:r>
+              <a:rPr lang="en-US" b="1" u="sng" dirty="0"/>
+              <a:t>The Approach:</a:t>
+            </a:r>
+          </a:p>
+          <a:p>
+            <a:pPr marL="285750" indent="-285750">
+              <a:buFont typeface="Arial" panose="020B0604020202020204" pitchFamily="34" charset="0"/>
+              <a:buChar char="•"/>
+            </a:pPr>
+            <a:r>
+              <a:rPr lang="en-US" dirty="0"/>
+              <a:t>We tried to predict via usage of </a:t>
+            </a:r>
+            <a:r>
+              <a:rPr lang="en-US" b="1" dirty="0"/>
+              <a:t>KNN</a:t>
+            </a:r>
+            <a:r>
+              <a:rPr lang="en-US" dirty="0"/>
+              <a:t> (Supervised) but what we got which was Low accuracy suggests the behavior is more complex.</a:t>
+            </a:r>
+          </a:p>
+          <a:p>
+            <a:pPr marL="285750" indent="-285750">
+              <a:buFont typeface="Arial" panose="020B0604020202020204" pitchFamily="34" charset="0"/>
+              <a:buChar char="•"/>
+            </a:pPr>
+            <a:r>
+              <a:rPr lang="en-US" dirty="0"/>
+              <a:t>So to face this issue we switch to </a:t>
+            </a:r>
+            <a:r>
+              <a:rPr lang="en-US" b="1" dirty="0"/>
+              <a:t>K-means Clustering </a:t>
+            </a:r>
+            <a:r>
+              <a:rPr lang="en-US" dirty="0"/>
+              <a:t>(unsupervised) to let the data reveal natural groups.</a:t>
+            </a:r>
+            <a:endParaRPr lang="LID4096" dirty="0"/>
+          </a:p>
+        </p:txBody>
+      </p:sp>
+      <p:sp>
+        <p:nvSpPr>
+          <p:cNvPr id="9" name="TextBox 8">
+            <a:extLst>
+              <a:ext uri="{FF2B5EF4-FFF2-40B4-BE49-F238E27FC236}">
+                <a16:creationId xmlns:a16="http://schemas.microsoft.com/office/drawing/2014/main" id="{0476989A-B0F6-542D-0A70-941350F1C35B}"/>
+              </a:ext>
+            </a:extLst>
+          </p:cNvPr>
+          <p:cNvSpPr txBox="1"/>
+          <p:nvPr/>
+        </p:nvSpPr>
+        <p:spPr>
+          <a:xfrm>
+            <a:off x="6171158" y="4690925"/>
+            <a:ext cx="5883993" cy="1754326"/>
+          </a:xfrm>
+          <a:prstGeom prst="rect">
+            <a:avLst/>
+          </a:prstGeom>
+          <a:noFill/>
+        </p:spPr>
+        <p:txBody>
+          <a:bodyPr wrap="square" rtlCol="0">
+            <a:spAutoFit/>
+          </a:bodyPr>
+          <a:lstStyle/>
+          <a:p>
+            <a:r>
+              <a:rPr lang="en-US" b="1" u="sng" dirty="0"/>
+              <a:t>The Surprise:</a:t>
+            </a:r>
+          </a:p>
+          <a:p>
+            <a:pPr marL="285750" indent="-285750">
+              <a:buFont typeface="Arial" panose="020B0604020202020204" pitchFamily="34" charset="0"/>
+              <a:buChar char="•"/>
+            </a:pPr>
+            <a:r>
+              <a:rPr lang="en-US" b="1" dirty="0"/>
+              <a:t>Finding: </a:t>
+            </a:r>
+            <a:r>
+              <a:rPr lang="en-US" dirty="0"/>
+              <a:t>Despite different digital behaviors, satisfaction is relatively uniform across all clusters.</a:t>
+            </a:r>
+          </a:p>
+          <a:p>
+            <a:pPr marL="285750" indent="-285750">
+              <a:buFont typeface="Arial" panose="020B0604020202020204" pitchFamily="34" charset="0"/>
+              <a:buChar char="•"/>
+            </a:pPr>
+            <a:r>
+              <a:rPr lang="en-US" b="1" dirty="0"/>
+              <a:t>Meaning:</a:t>
+            </a:r>
+            <a:r>
+              <a:rPr lang="en-US" dirty="0"/>
+              <a:t> High internet use does not automatically mean a person is dissatisfied. The relationship is nuanced</a:t>
+            </a:r>
+            <a:endParaRPr lang="LID4096" b="1" dirty="0"/>
+          </a:p>
+        </p:txBody>
+      </p:sp>
+      <p:sp>
+        <p:nvSpPr>
+          <p:cNvPr id="10" name="Rectangle 9">
+            <a:extLst>
+              <a:ext uri="{FF2B5EF4-FFF2-40B4-BE49-F238E27FC236}">
+                <a16:creationId xmlns:a16="http://schemas.microsoft.com/office/drawing/2014/main" id="{CFAA09CE-DA21-E574-3528-335A350F526C}"/>
+              </a:ext>
+            </a:extLst>
+          </p:cNvPr>
+          <p:cNvSpPr/>
+          <p:nvPr/>
+        </p:nvSpPr>
+        <p:spPr>
+          <a:xfrm>
+            <a:off x="5990253" y="4690928"/>
+            <a:ext cx="180905" cy="2167072"/>
+          </a:xfrm>
+          <a:prstGeom prst="rect">
+            <a:avLst/>
+          </a:prstGeom>
+        </p:spPr>
+        <p:style>
+          <a:lnRef idx="2">
+            <a:schemeClr val="dk1">
+              <a:shade val="15000"/>
+            </a:schemeClr>
+          </a:lnRef>
+          <a:fillRef idx="1">
+            <a:schemeClr val="dk1"/>
+          </a:fillRef>
+          <a:effectRef idx="0">
+            <a:schemeClr val="dk1"/>
+          </a:effectRef>
+          <a:fontRef idx="minor">
+            <a:schemeClr val="lt1"/>
+          </a:fontRef>
+        </p:style>
+        <p:txBody>
+          <a:bodyPr rtlCol="0" anchor="ctr"/>
+          <a:lstStyle/>
+          <a:p>
+            <a:pPr algn="ctr"/>
+            <a:endParaRPr lang="LID4096"/>
+          </a:p>
+        </p:txBody>
+      </p:sp>
+    </p:spTree>
+    <p:extLst>
+      <p:ext uri="{BB962C8B-B14F-4D97-AF65-F5344CB8AC3E}">
+        <p14:creationId xmlns:p14="http://schemas.microsoft.com/office/powerpoint/2010/main" val="3620774297"/>
+      </p:ext>
+    </p:extLst>
+  </p:cSld>
+  <p:clrMapOvr>
+    <a:masterClrMapping/>
+  </p:clrMapOvr>
+</p:sld>
+</file>
+
+<file path=ppt/slides/slide7.xml><?xml version="1.0" encoding="utf-8"?>
+<p:sld xmlns:a="http://schemas.openxmlformats.org/drawingml/2006/main" xmlns:r="http://schemas.openxmlformats.org/officeDocument/2006/relationships" xmlns:p="http://schemas.openxmlformats.org/presentationml/2006/main">
+  <p:cSld>
+    <p:spTree>
+      <p:nvGrpSpPr>
+        <p:cNvPr id="1" name=""/>
+        <p:cNvGrpSpPr/>
+        <p:nvPr/>
+      </p:nvGrpSpPr>
+      <p:grpSpPr>
+        <a:xfrm>
+          <a:off x="0" y="0"/>
+          <a:ext cx="0" cy="0"/>
+          <a:chOff x="0" y="0"/>
+          <a:chExt cx="0" cy="0"/>
+        </a:xfrm>
+      </p:grpSpPr>
+      <p:sp>
+        <p:nvSpPr>
+          <p:cNvPr id="2" name="Title 1">
+            <a:extLst>
+              <a:ext uri="{FF2B5EF4-FFF2-40B4-BE49-F238E27FC236}">
+                <a16:creationId xmlns:a16="http://schemas.microsoft.com/office/drawing/2014/main" id="{93E61A7F-28AA-3C9B-10D3-BDE53D262E4C}"/>
+              </a:ext>
+            </a:extLst>
+          </p:cNvPr>
+          <p:cNvSpPr>
+            <a:spLocks noGrp="1"/>
+          </p:cNvSpPr>
+          <p:nvPr>
+            <p:ph type="title"/>
+          </p:nvPr>
+        </p:nvSpPr>
+        <p:spPr>
+          <a:xfrm>
+            <a:off x="0" y="0"/>
+            <a:ext cx="10665845" cy="1325563"/>
+          </a:xfrm>
+        </p:spPr>
+        <p:txBody>
+          <a:bodyPr/>
+          <a:lstStyle/>
+          <a:p>
+            <a:r>
+              <a:rPr lang="en-US" dirty="0"/>
+              <a:t>Global Perspectives </a:t>
+            </a:r>
+            <a:endParaRPr lang="LID4096" dirty="0"/>
+          </a:p>
+        </p:txBody>
+      </p:sp>
+      <p:sp>
+        <p:nvSpPr>
+          <p:cNvPr id="4" name="Slide Number Placeholder 3">
+            <a:extLst>
+              <a:ext uri="{FF2B5EF4-FFF2-40B4-BE49-F238E27FC236}">
+                <a16:creationId xmlns:a16="http://schemas.microsoft.com/office/drawing/2014/main" id="{688BAADF-3170-185C-2D2E-84F41A00D010}"/>
+              </a:ext>
+            </a:extLst>
+          </p:cNvPr>
+          <p:cNvSpPr>
+            <a:spLocks noGrp="1"/>
+          </p:cNvSpPr>
+          <p:nvPr>
+            <p:ph type="sldNum" sz="quarter" idx="12"/>
+          </p:nvPr>
+        </p:nvSpPr>
+        <p:spPr/>
+        <p:txBody>
+          <a:bodyPr/>
+          <a:lstStyle/>
+          <a:p>
+            <a:fld id="{B5CEABB6-07DC-46E8-9B57-56EC44A396E5}" type="slidenum">
+              <a:rPr lang="en-US" smtClean="0"/>
+              <a:pPr/>
+              <a:t>7</a:t>
+            </a:fld>
+            <a:endParaRPr lang="en-US" dirty="0"/>
+          </a:p>
+        </p:txBody>
+      </p:sp>
+      <p:sp>
+        <p:nvSpPr>
+          <p:cNvPr id="8" name="AutoShape 4">
+            <a:extLst>
+              <a:ext uri="{FF2B5EF4-FFF2-40B4-BE49-F238E27FC236}">
+                <a16:creationId xmlns:a16="http://schemas.microsoft.com/office/drawing/2014/main" id="{243C29D4-3A9D-5C50-BCF5-7F7F80B85D93}"/>
+              </a:ext>
+            </a:extLst>
+          </p:cNvPr>
+          <p:cNvSpPr>
+            <a:spLocks noChangeAspect="1" noChangeArrowheads="1"/>
+          </p:cNvSpPr>
+          <p:nvPr/>
+        </p:nvSpPr>
+        <p:spPr bwMode="auto">
+          <a:xfrm>
+            <a:off x="4012163" y="3276599"/>
+            <a:ext cx="2236237" cy="2236237"/>
+          </a:xfrm>
+          <a:prstGeom prst="rect">
+            <a:avLst/>
+          </a:prstGeom>
+          <a:noFill/>
+          <a:extLst>
+            <a:ext uri="{909E8E84-426E-40DD-AFC4-6F175D3DCCD1}">
+              <a14:hiddenFill xmlns:a14="http://schemas.microsoft.com/office/drawing/2010/main">
+                <a:solidFill>
+                  <a:srgbClr val="FFFFFF"/>
+                </a:solidFill>
+              </a14:hiddenFill>
+            </a:ext>
+          </a:extLst>
+        </p:spPr>
+        <p:txBody>
+          <a:bodyPr vert="horz" wrap="square" lIns="91440" tIns="45720" rIns="91440" bIns="45720" numCol="1" anchor="t" anchorCtr="0" compatLnSpc="1">
+            <a:prstTxWarp prst="textNoShape">
+              <a:avLst/>
+            </a:prstTxWarp>
+          </a:bodyPr>
+          <a:lstStyle/>
+          <a:p>
+            <a:endParaRPr lang="LID4096"/>
+          </a:p>
+        </p:txBody>
+      </p:sp>
+      <p:pic>
+        <p:nvPicPr>
+          <p:cNvPr id="13" name="Picture 12">
+            <a:extLst>
+              <a:ext uri="{FF2B5EF4-FFF2-40B4-BE49-F238E27FC236}">
+                <a16:creationId xmlns:a16="http://schemas.microsoft.com/office/drawing/2014/main" id="{2CDB29E9-DCBA-F249-DFB5-AB9DAE9B9C21}"/>
+              </a:ext>
+            </a:extLst>
+          </p:cNvPr>
+          <p:cNvPicPr>
+            <a:picLocks noChangeAspect="1"/>
+          </p:cNvPicPr>
+          <p:nvPr/>
+        </p:nvPicPr>
+        <p:blipFill>
+          <a:blip r:embed="rId2"/>
+          <a:stretch>
+            <a:fillRect/>
+          </a:stretch>
+        </p:blipFill>
+        <p:spPr>
+          <a:xfrm>
+            <a:off x="-13956" y="923731"/>
+            <a:ext cx="12205956" cy="5934269"/>
+          </a:xfrm>
+          <a:prstGeom prst="rect">
+            <a:avLst/>
+          </a:prstGeom>
+        </p:spPr>
+      </p:pic>
+    </p:spTree>
+    <p:extLst>
+      <p:ext uri="{BB962C8B-B14F-4D97-AF65-F5344CB8AC3E}">
+        <p14:creationId xmlns:p14="http://schemas.microsoft.com/office/powerpoint/2010/main" val="3798266407"/>
+      </p:ext>
+    </p:extLst>
+  </p:cSld>
+  <p:clrMapOvr>
+    <a:masterClrMapping/>
+  </p:clrMapOvr>
+</p:sld>
+</file>
+
+<file path=ppt/slides/slide8.xml><?xml version="1.0" encoding="utf-8"?>
+<p:sld xmlns:a="http://schemas.openxmlformats.org/drawingml/2006/main" xmlns:r="http://schemas.openxmlformats.org/officeDocument/2006/relationships" xmlns:p="http://schemas.openxmlformats.org/presentationml/2006/main">
+  <p:cSld>
+    <p:spTree>
+      <p:nvGrpSpPr>
+        <p:cNvPr id="1" name="">
+          <a:extLst>
+            <a:ext uri="{FF2B5EF4-FFF2-40B4-BE49-F238E27FC236}">
+              <a16:creationId xmlns:a16="http://schemas.microsoft.com/office/drawing/2014/main" id="{29F19C13-8DAA-E41F-FDD2-FF174010654C}"/>
+            </a:ext>
+          </a:extLst>
+        </p:cNvPr>
+        <p:cNvGrpSpPr/>
+        <p:nvPr/>
+      </p:nvGrpSpPr>
+      <p:grpSpPr>
+        <a:xfrm>
+          <a:off x="0" y="0"/>
+          <a:ext cx="0" cy="0"/>
+          <a:chOff x="0" y="0"/>
+          <a:chExt cx="0" cy="0"/>
+        </a:xfrm>
+      </p:grpSpPr>
+      <p:sp>
+        <p:nvSpPr>
+          <p:cNvPr id="2" name="Title 1">
+            <a:extLst>
+              <a:ext uri="{FF2B5EF4-FFF2-40B4-BE49-F238E27FC236}">
+                <a16:creationId xmlns:a16="http://schemas.microsoft.com/office/drawing/2014/main" id="{8FD90435-212A-FC84-5DE6-ADD6ED1BF82D}"/>
+              </a:ext>
+            </a:extLst>
+          </p:cNvPr>
+          <p:cNvSpPr>
+            <a:spLocks noGrp="1"/>
+          </p:cNvSpPr>
+          <p:nvPr>
+            <p:ph type="title"/>
+          </p:nvPr>
+        </p:nvSpPr>
+        <p:spPr>
+          <a:xfrm>
+            <a:off x="0" y="0"/>
+            <a:ext cx="10665845" cy="1325563"/>
+          </a:xfrm>
+        </p:spPr>
+        <p:txBody>
+          <a:bodyPr/>
+          <a:lstStyle/>
+          <a:p>
+            <a:r>
+              <a:rPr lang="en-US" dirty="0"/>
+              <a:t>Global Perspectives </a:t>
+            </a:r>
+            <a:endParaRPr lang="LID4096" dirty="0"/>
+          </a:p>
+        </p:txBody>
+      </p:sp>
+      <p:sp>
+        <p:nvSpPr>
+          <p:cNvPr id="4" name="Slide Number Placeholder 3">
+            <a:extLst>
+              <a:ext uri="{FF2B5EF4-FFF2-40B4-BE49-F238E27FC236}">
+                <a16:creationId xmlns:a16="http://schemas.microsoft.com/office/drawing/2014/main" id="{CDF96F23-FD96-97AA-751B-570B1D247402}"/>
+              </a:ext>
+            </a:extLst>
+          </p:cNvPr>
+          <p:cNvSpPr>
+            <a:spLocks noGrp="1"/>
+          </p:cNvSpPr>
+          <p:nvPr>
+            <p:ph type="sldNum" sz="quarter" idx="12"/>
+          </p:nvPr>
+        </p:nvSpPr>
+        <p:spPr/>
+        <p:txBody>
+          <a:bodyPr/>
+          <a:lstStyle/>
+          <a:p>
+            <a:fld id="{B5CEABB6-07DC-46E8-9B57-56EC44A396E5}" type="slidenum">
+              <a:rPr lang="en-US" smtClean="0"/>
+              <a:pPr/>
+              <a:t>8</a:t>
+            </a:fld>
+            <a:endParaRPr lang="en-US" dirty="0"/>
+          </a:p>
+        </p:txBody>
+      </p:sp>
+      <p:sp>
+        <p:nvSpPr>
+          <p:cNvPr id="8" name="AutoShape 4">
+            <a:extLst>
+              <a:ext uri="{FF2B5EF4-FFF2-40B4-BE49-F238E27FC236}">
+                <a16:creationId xmlns:a16="http://schemas.microsoft.com/office/drawing/2014/main" id="{188CB390-E6FA-EFD4-591B-67465D5BE4B4}"/>
+              </a:ext>
+            </a:extLst>
+          </p:cNvPr>
+          <p:cNvSpPr>
+            <a:spLocks noChangeAspect="1" noChangeArrowheads="1"/>
+          </p:cNvSpPr>
+          <p:nvPr/>
+        </p:nvSpPr>
+        <p:spPr bwMode="auto">
+          <a:xfrm>
+            <a:off x="4012163" y="3276599"/>
+            <a:ext cx="2236237" cy="2236237"/>
+          </a:xfrm>
+          <a:prstGeom prst="rect">
+            <a:avLst/>
+          </a:prstGeom>
+          <a:noFill/>
+          <a:extLst>
+            <a:ext uri="{909E8E84-426E-40DD-AFC4-6F175D3DCCD1}">
+              <a14:hiddenFill xmlns:a14="http://schemas.microsoft.com/office/drawing/2010/main">
+                <a:solidFill>
+                  <a:srgbClr val="FFFFFF"/>
+                </a:solidFill>
+              </a14:hiddenFill>
+            </a:ext>
+          </a:extLst>
+        </p:spPr>
+        <p:txBody>
+          <a:bodyPr vert="horz" wrap="square" lIns="91440" tIns="45720" rIns="91440" bIns="45720" numCol="1" anchor="t" anchorCtr="0" compatLnSpc="1">
+            <a:prstTxWarp prst="textNoShape">
+              <a:avLst/>
+            </a:prstTxWarp>
+          </a:bodyPr>
+          <a:lstStyle/>
+          <a:p>
+            <a:endParaRPr lang="LID4096"/>
+          </a:p>
+        </p:txBody>
+      </p:sp>
+      <p:pic>
+        <p:nvPicPr>
+          <p:cNvPr id="11" name="Picture 10">
+            <a:extLst>
+              <a:ext uri="{FF2B5EF4-FFF2-40B4-BE49-F238E27FC236}">
+                <a16:creationId xmlns:a16="http://schemas.microsoft.com/office/drawing/2014/main" id="{A4116CCD-9AC7-A831-2256-7BDCEDF8762F}"/>
+              </a:ext>
+            </a:extLst>
+          </p:cNvPr>
+          <p:cNvPicPr>
+            <a:picLocks noChangeAspect="1"/>
+          </p:cNvPicPr>
+          <p:nvPr/>
+        </p:nvPicPr>
+        <p:blipFill>
+          <a:blip r:embed="rId3"/>
+          <a:stretch>
+            <a:fillRect/>
+          </a:stretch>
+        </p:blipFill>
+        <p:spPr>
+          <a:xfrm>
+            <a:off x="0" y="662781"/>
+            <a:ext cx="5999584" cy="3825243"/>
+          </a:xfrm>
+          <a:prstGeom prst="rect">
+            <a:avLst/>
+          </a:prstGeom>
+        </p:spPr>
+      </p:pic>
+      <p:pic>
+        <p:nvPicPr>
+          <p:cNvPr id="15" name="Picture 14">
+            <a:extLst>
+              <a:ext uri="{FF2B5EF4-FFF2-40B4-BE49-F238E27FC236}">
+                <a16:creationId xmlns:a16="http://schemas.microsoft.com/office/drawing/2014/main" id="{E1AC261E-D961-DEDF-17BD-6240EDC5DCD9}"/>
+              </a:ext>
+            </a:extLst>
+          </p:cNvPr>
+          <p:cNvPicPr>
+            <a:picLocks noChangeAspect="1"/>
+          </p:cNvPicPr>
+          <p:nvPr/>
+        </p:nvPicPr>
+        <p:blipFill>
+          <a:blip r:embed="rId4"/>
+          <a:stretch>
+            <a:fillRect/>
+          </a:stretch>
+        </p:blipFill>
+        <p:spPr>
+          <a:xfrm>
+            <a:off x="5999584" y="662781"/>
+            <a:ext cx="6071118" cy="3825243"/>
+          </a:xfrm>
+          <a:prstGeom prst="rect">
+            <a:avLst/>
+          </a:prstGeom>
+        </p:spPr>
+      </p:pic>
+      <p:sp>
+        <p:nvSpPr>
+          <p:cNvPr id="3" name="TextBox 2">
+            <a:extLst>
+              <a:ext uri="{FF2B5EF4-FFF2-40B4-BE49-F238E27FC236}">
+                <a16:creationId xmlns:a16="http://schemas.microsoft.com/office/drawing/2014/main" id="{5209C3E4-4C9F-91EE-C66C-FBDF8DE8C6DC}"/>
+              </a:ext>
+            </a:extLst>
+          </p:cNvPr>
+          <p:cNvSpPr txBox="1"/>
+          <p:nvPr/>
+        </p:nvSpPr>
+        <p:spPr>
+          <a:xfrm>
+            <a:off x="0" y="4488024"/>
+            <a:ext cx="12070702" cy="2585323"/>
+          </a:xfrm>
+          <a:prstGeom prst="rect">
+            <a:avLst/>
+          </a:prstGeom>
+          <a:noFill/>
+        </p:spPr>
+        <p:txBody>
+          <a:bodyPr wrap="square" rtlCol="0">
+            <a:spAutoFit/>
+          </a:bodyPr>
+          <a:lstStyle/>
+          <a:p>
+            <a:r>
+              <a:rPr lang="en-US" b="1" u="sng" dirty="0"/>
+              <a:t>Key Findings :</a:t>
+            </a:r>
+          </a:p>
+          <a:p>
+            <a:pPr marL="285750" indent="-285750">
+              <a:buFont typeface="Arial" panose="020B0604020202020204" pitchFamily="34" charset="0"/>
+              <a:buChar char="•"/>
+            </a:pPr>
+            <a:r>
+              <a:rPr lang="en-US" dirty="0"/>
+              <a:t>Some nations have high digital engagement but moderate to low system confidence</a:t>
+            </a:r>
+          </a:p>
+          <a:p>
+            <a:pPr marL="285750" indent="-285750">
+              <a:buFont typeface="Arial" panose="020B0604020202020204" pitchFamily="34" charset="0"/>
+              <a:buChar char="•"/>
+            </a:pPr>
+            <a:r>
+              <a:rPr lang="en-US" dirty="0"/>
+              <a:t>We see lower internet usage with varying levels of trust </a:t>
+            </a:r>
+          </a:p>
+          <a:p>
+            <a:pPr marL="285750" indent="-285750">
+              <a:buFont typeface="Arial" panose="020B0604020202020204" pitchFamily="34" charset="0"/>
+              <a:buChar char="•"/>
+            </a:pPr>
+            <a:r>
+              <a:rPr lang="en-US" dirty="0"/>
+              <a:t>Advance digital infrastructure </a:t>
+            </a:r>
+            <a:r>
+              <a:rPr lang="en-US" b="1" dirty="0"/>
+              <a:t>does not </a:t>
+            </a:r>
+            <a:r>
+              <a:rPr lang="en-US" dirty="0"/>
+              <a:t>guarantee higher trust in the healthcare system. In fact, easier access to information often correlates with more critical views of the system</a:t>
+            </a:r>
+            <a:br>
+              <a:rPr lang="en-US" dirty="0"/>
+            </a:br>
+            <a:endParaRPr lang="en-US" dirty="0"/>
+          </a:p>
+          <a:p>
+            <a:r>
+              <a:rPr lang="en-US" b="1" dirty="0"/>
+              <a:t>Takeaway: </a:t>
+            </a:r>
+            <a:r>
+              <a:rPr lang="en-US" dirty="0"/>
+              <a:t>:”Digital health” is not just about technology availability, it’s a cultural response to how citizens view their institutions</a:t>
+            </a:r>
+            <a:endParaRPr lang="en-US" b="1" dirty="0"/>
+          </a:p>
+          <a:p>
+            <a:endParaRPr lang="LID4096" dirty="0"/>
+          </a:p>
+        </p:txBody>
+      </p:sp>
+    </p:spTree>
+    <p:extLst>
+      <p:ext uri="{BB962C8B-B14F-4D97-AF65-F5344CB8AC3E}">
+        <p14:creationId xmlns:p14="http://schemas.microsoft.com/office/powerpoint/2010/main" val="4245361229"/>
+      </p:ext>
+    </p:extLst>
+  </p:cSld>
+  <p:clrMapOvr>
+    <a:masterClrMapping/>
+  </p:clrMapOvr>
+</p:sld>
+</file>
+
+<file path=ppt/slides/slide9.xml><?xml version="1.0" encoding="utf-8"?>
 <p:sld xmlns:a="http://schemas.openxmlformats.org/drawingml/2006/main" xmlns:r="http://schemas.openxmlformats.org/officeDocument/2006/relationships" xmlns:p="http://schemas.openxmlformats.org/presentationml/2006/main">
   <p:cSld>
     <p:spTree>
@@ -21263,7 +22843,7 @@
         </p:nvSpPr>
         <p:spPr>
           <a:xfrm>
-            <a:off x="3520440" y="896111"/>
+            <a:off x="2966246" y="86519"/>
             <a:ext cx="7889768" cy="2039341"/>
           </a:xfrm>
         </p:spPr>
@@ -21273,7 +22853,7 @@
           <a:p>
             <a:r>
               <a:rPr lang="en-US" dirty="0"/>
-              <a:t>Conclusions &amp; next steps</a:t>
+              <a:t>Conclusions</a:t>
             </a:r>
           </a:p>
         </p:txBody>
@@ -21296,7 +22876,7 @@
         </p:nvSpPr>
         <p:spPr>
           <a:xfrm>
-            <a:off x="3520440" y="2286000"/>
+            <a:off x="2969934" y="1106189"/>
             <a:ext cx="7886080" cy="3979587"/>
           </a:xfrm>
         </p:spPr>
@@ -21310,47 +22890,81 @@
               <a:buNone/>
             </a:pPr>
             <a:r>
-              <a:rPr lang="en-US" b="1" dirty="0"/>
-              <a:t>Our Emerging thesis  : </a:t>
+              <a:rPr lang="en-US" b="1" u="sng" dirty="0"/>
+              <a:t>Summary of Findings:</a:t>
             </a:r>
           </a:p>
           <a:p>
+            <a:pPr marL="342900" indent="-342900">
+              <a:buFont typeface="+mj-lt"/>
+              <a:buAutoNum type="arabicPeriod"/>
+            </a:pPr>
+            <a:r>
+              <a:rPr lang="en-US" b="1" dirty="0"/>
+              <a:t>The Digital Divide is Demographic:</a:t>
+            </a:r>
             <a:r>
               <a:rPr lang="en-US" dirty="0"/>
-              <a:t>People with lower institutional trust may seek information online more often</a:t>
+              <a:t> Age is the strongest predicator of usage. Young adults are “Digital Natives” in healthcare, while seniors remain “Analog Loyalists” despite having higher health care needs.</a:t>
             </a:r>
           </a:p>
           <a:p>
+            <a:pPr marL="342900" indent="-342900">
+              <a:buFont typeface="+mj-lt"/>
+              <a:buAutoNum type="arabicPeriod"/>
+            </a:pPr>
+            <a:r>
+              <a:rPr lang="en-US" b="1" dirty="0"/>
+              <a:t>The Trust Paradox Confirmed: </a:t>
+            </a:r>
             <a:r>
               <a:rPr lang="en-US" dirty="0"/>
-              <a:t>The internet is seen as both empowering and confusing , especially among those skeptical of the healthcare system</a:t>
+              <a:t>We found a statistically significant link- </a:t>
+            </a:r>
+            <a:r>
+              <a:rPr lang="en-US" b="1" dirty="0"/>
+              <a:t>Low confidence in the healthcare system drives patients to the internet</a:t>
+            </a:r>
+            <a:r>
+              <a:rPr lang="en-US" dirty="0"/>
+              <a:t>. As the internet provides a good “second option” for skeptics.</a:t>
             </a:r>
           </a:p>
           <a:p>
-            <a:pPr marL="0" indent="0">
-              <a:buNone/>
+            <a:pPr marL="342900" indent="-342900">
+              <a:buFont typeface="+mj-lt"/>
+              <a:buAutoNum type="arabicPeriod"/>
             </a:pPr>
             <a:r>
               <a:rPr lang="en-US" b="1" dirty="0"/>
-              <a:t>Next Steps for Analysis : </a:t>
+              <a:t>Behavior </a:t>
             </a:r>
-          </a:p>
-          <a:p>
+            <a:r>
+              <a:rPr lang="en-IL" b="1" dirty="0"/>
+              <a:t>≠</a:t>
+            </a:r>
+            <a:r>
+              <a:rPr lang="en-US" b="1" dirty="0"/>
+              <a:t> Satisfaction: </a:t>
+            </a:r>
             <a:r>
               <a:rPr lang="en-US" dirty="0"/>
-              <a:t>Add logistic regression to predict trust based on digital behavior</a:t>
+              <a:t>Our clustering revealed that High Frequency users aren’t necessarily dissatisfied, they are simply </a:t>
             </a:r>
-          </a:p>
-          <a:p>
+            <a:r>
+              <a:rPr lang="en-US" b="1" dirty="0"/>
+              <a:t>informed</a:t>
+            </a:r>
             <a:r>
               <a:rPr lang="en-US" dirty="0"/>
-              <a:t>Analyze country-level differences and demographic patterns</a:t>
+              <a:t>.</a:t>
             </a:r>
-          </a:p>
-          <a:p>
+            <a:br>
+              <a:rPr lang="en-US" dirty="0"/>
+            </a:br>
             <a:r>
               <a:rPr lang="en-US" dirty="0"/>
-              <a:t>Explore how digital literacy moderates trust and behavior </a:t>
+              <a:t>We can infer that they use the internet to navigate the system, not just replace it.</a:t>
             </a:r>
           </a:p>
         </p:txBody>
@@ -21379,9 +22993,77 @@
             <a:fld id="{B5CEABB6-07DC-46E8-9B57-56EC44A396E5}" type="slidenum">
               <a:rPr lang="en-US" smtClean="0"/>
               <a:pPr/>
-              <a:t>5</a:t>
+              <a:t>9</a:t>
             </a:fld>
             <a:endParaRPr lang="en-US" dirty="0"/>
+          </a:p>
+        </p:txBody>
+      </p:sp>
+      <p:sp>
+        <p:nvSpPr>
+          <p:cNvPr id="6" name="TextBox 5">
+            <a:extLst>
+              <a:ext uri="{FF2B5EF4-FFF2-40B4-BE49-F238E27FC236}">
+                <a16:creationId xmlns:a16="http://schemas.microsoft.com/office/drawing/2014/main" id="{6865499D-A5B6-965E-57F2-8C45AF2965C0}"/>
+              </a:ext>
+            </a:extLst>
+          </p:cNvPr>
+          <p:cNvSpPr txBox="1"/>
+          <p:nvPr/>
+        </p:nvSpPr>
+        <p:spPr>
+          <a:xfrm>
+            <a:off x="2966246" y="4784586"/>
+            <a:ext cx="7781577" cy="1754326"/>
+          </a:xfrm>
+          <a:prstGeom prst="rect">
+            <a:avLst/>
+          </a:prstGeom>
+          <a:noFill/>
+        </p:spPr>
+        <p:txBody>
+          <a:bodyPr wrap="square">
+            <a:spAutoFit/>
+          </a:bodyPr>
+          <a:lstStyle/>
+          <a:p>
+            <a:pPr marL="0" indent="0">
+              <a:buNone/>
+            </a:pPr>
+            <a:r>
+              <a:rPr lang="en-US" b="1" u="sng" dirty="0"/>
+              <a:t>Implications for Healthcare:</a:t>
+            </a:r>
+            <a:endParaRPr lang="he-IL" b="1" u="sng" dirty="0"/>
+          </a:p>
+          <a:p>
+            <a:pPr marL="285750" indent="-285750">
+              <a:buFont typeface="Arial" panose="020B0604020202020204" pitchFamily="34" charset="0"/>
+              <a:buChar char="•"/>
+            </a:pPr>
+            <a:r>
+              <a:rPr lang="en-US" b="1" dirty="0"/>
+              <a:t>Don’t fight the GPT: </a:t>
+            </a:r>
+            <a:r>
+              <a:rPr lang="en-US" dirty="0"/>
+              <a:t>Since low-trust groups flock online, healthcare systems must improve their official digital presence to combat misinformation.</a:t>
+            </a:r>
+          </a:p>
+          <a:p>
+            <a:pPr marL="285750" indent="-285750">
+              <a:buFont typeface="Arial" panose="020B0604020202020204" pitchFamily="34" charset="0"/>
+              <a:buChar char="•"/>
+            </a:pPr>
+            <a:r>
+              <a:rPr lang="en-US" b="1" dirty="0"/>
+              <a:t>Target the “Verifier”:</a:t>
+            </a:r>
+            <a:r>
+              <a:rPr lang="en-US" dirty="0"/>
+              <a:t> Doctors should expect and encourage digital verification to build trust with skepticism-prone demographics</a:t>
+            </a:r>
+            <a:endParaRPr lang="en-US" b="1" dirty="0"/>
           </a:p>
         </p:txBody>
       </p:sp>
@@ -22190,12 +23872,23 @@
 </file>
 
 <file path=customXml/item1.xml><?xml version="1.0" encoding="utf-8"?>
-<?mso-contentType ?>
-<FormTemplates xmlns="http://schemas.microsoft.com/sharepoint/v3/contenttype/forms">
-  <Display>DocumentLibraryForm</Display>
-  <Edit>DocumentLibraryForm</Edit>
-  <New>DocumentLibraryForm</New>
-</FormTemplates>
+<p:properties xmlns:p="http://schemas.microsoft.com/office/2006/metadata/properties" xmlns:xsi="http://www.w3.org/2001/XMLSchema-instance" xmlns:pc="http://schemas.microsoft.com/office/infopath/2007/PartnerControls">
+  <documentManagement>
+    <Background xmlns="71af3243-3dd4-4a8d-8c0d-dd76da1f02a5">false</Background>
+    <Status xmlns="71af3243-3dd4-4a8d-8c0d-dd76da1f02a5">Not started</Status>
+    <_ip_UnifiedCompliancePolicyUIAction xmlns="http://schemas.microsoft.com/sharepoint/v3" xsi:nil="true"/>
+    <Image xmlns="71af3243-3dd4-4a8d-8c0d-dd76da1f02a5">
+      <Url xsi:nil="true"/>
+      <Description xsi:nil="true"/>
+    </Image>
+    <_ip_UnifiedCompliancePolicyProperties xmlns="http://schemas.microsoft.com/sharepoint/v3" xsi:nil="true"/>
+    <ImageTagsTaxHTField xmlns="71af3243-3dd4-4a8d-8c0d-dd76da1f02a5">
+      <Terms xmlns="http://schemas.microsoft.com/office/infopath/2007/PartnerControls"/>
+    </ImageTagsTaxHTField>
+    <TaxCatchAll xmlns="230e9df3-be65-4c73-a93b-d1236ebd677e" xsi:nil="true"/>
+    <MediaServiceKeyPoints xmlns="71af3243-3dd4-4a8d-8c0d-dd76da1f02a5" xsi:nil="true"/>
+  </documentManagement>
+</p:properties>
 </file>
 
 <file path=customXml/item2.xml><?xml version="1.0" encoding="utf-8"?>
@@ -22511,29 +24204,22 @@
 </file>
 
 <file path=customXml/item3.xml><?xml version="1.0" encoding="utf-8"?>
-<p:properties xmlns:p="http://schemas.microsoft.com/office/2006/metadata/properties" xmlns:xsi="http://www.w3.org/2001/XMLSchema-instance" xmlns:pc="http://schemas.microsoft.com/office/infopath/2007/PartnerControls">
-  <documentManagement>
-    <Background xmlns="71af3243-3dd4-4a8d-8c0d-dd76da1f02a5">false</Background>
-    <Status xmlns="71af3243-3dd4-4a8d-8c0d-dd76da1f02a5">Not started</Status>
-    <_ip_UnifiedCompliancePolicyUIAction xmlns="http://schemas.microsoft.com/sharepoint/v3" xsi:nil="true"/>
-    <Image xmlns="71af3243-3dd4-4a8d-8c0d-dd76da1f02a5">
-      <Url xsi:nil="true"/>
-      <Description xsi:nil="true"/>
-    </Image>
-    <_ip_UnifiedCompliancePolicyProperties xmlns="http://schemas.microsoft.com/sharepoint/v3" xsi:nil="true"/>
-    <ImageTagsTaxHTField xmlns="71af3243-3dd4-4a8d-8c0d-dd76da1f02a5">
-      <Terms xmlns="http://schemas.microsoft.com/office/infopath/2007/PartnerControls"/>
-    </ImageTagsTaxHTField>
-    <TaxCatchAll xmlns="230e9df3-be65-4c73-a93b-d1236ebd677e" xsi:nil="true"/>
-    <MediaServiceKeyPoints xmlns="71af3243-3dd4-4a8d-8c0d-dd76da1f02a5" xsi:nil="true"/>
-  </documentManagement>
-</p:properties>
+<?mso-contentType ?>
+<FormTemplates xmlns="http://schemas.microsoft.com/sharepoint/v3/contenttype/forms">
+  <Display>DocumentLibraryForm</Display>
+  <Edit>DocumentLibraryForm</Edit>
+  <New>DocumentLibraryForm</New>
+</FormTemplates>
 </file>
 
 <file path=customXml/itemProps1.xml><?xml version="1.0" encoding="utf-8"?>
-<ds:datastoreItem xmlns:ds="http://schemas.openxmlformats.org/officeDocument/2006/customXml" ds:itemID="{8451406B-581B-4C29-A833-E33D8A6AB075}">
+<ds:datastoreItem xmlns:ds="http://schemas.openxmlformats.org/officeDocument/2006/customXml" ds:itemID="{0F65614A-92F9-4391-AC3D-F3F5B0704F99}">
   <ds:schemaRefs>
-    <ds:schemaRef ds:uri="http://schemas.microsoft.com/sharepoint/v3/contenttype/forms"/>
+    <ds:schemaRef ds:uri="http://schemas.microsoft.com/office/2006/metadata/properties"/>
+    <ds:schemaRef ds:uri="http://schemas.microsoft.com/office/infopath/2007/PartnerControls"/>
+    <ds:schemaRef ds:uri="71af3243-3dd4-4a8d-8c0d-dd76da1f02a5"/>
+    <ds:schemaRef ds:uri="http://schemas.microsoft.com/sharepoint/v3"/>
+    <ds:schemaRef ds:uri="230e9df3-be65-4c73-a93b-d1236ebd677e"/>
   </ds:schemaRefs>
 </ds:datastoreItem>
 </file>
@@ -22560,13 +24246,9 @@
 </file>
 
 <file path=customXml/itemProps3.xml><?xml version="1.0" encoding="utf-8"?>
-<ds:datastoreItem xmlns:ds="http://schemas.openxmlformats.org/officeDocument/2006/customXml" ds:itemID="{0F65614A-92F9-4391-AC3D-F3F5B0704F99}">
+<ds:datastoreItem xmlns:ds="http://schemas.openxmlformats.org/officeDocument/2006/customXml" ds:itemID="{8451406B-581B-4C29-A833-E33D8A6AB075}">
   <ds:schemaRefs>
-    <ds:schemaRef ds:uri="http://schemas.microsoft.com/office/2006/metadata/properties"/>
-    <ds:schemaRef ds:uri="http://schemas.microsoft.com/office/infopath/2007/PartnerControls"/>
-    <ds:schemaRef ds:uri="71af3243-3dd4-4a8d-8c0d-dd76da1f02a5"/>
-    <ds:schemaRef ds:uri="http://schemas.microsoft.com/sharepoint/v3"/>
-    <ds:schemaRef ds:uri="230e9df3-be65-4c73-a93b-d1236ebd677e"/>
+    <ds:schemaRef ds:uri="http://schemas.microsoft.com/sharepoint/v3/contenttype/forms"/>
   </ds:schemaRefs>
 </ds:datastoreItem>
 </file>
